--- a/CSharpProgramming/Presentations/ConditionalStatements.pptx
+++ b/CSharpProgramming/Presentations/ConditionalStatements.pptx
@@ -35,8 +35,11 @@
     <p:sldId id="332" r:id="rId29"/>
     <p:sldId id="333" r:id="rId30"/>
     <p:sldId id="334" r:id="rId31"/>
-    <p:sldId id="336" r:id="rId32"/>
-    <p:sldId id="337" r:id="rId33"/>
+    <p:sldId id="338" r:id="rId32"/>
+    <p:sldId id="339" r:id="rId33"/>
+    <p:sldId id="340" r:id="rId34"/>
+    <p:sldId id="336" r:id="rId35"/>
+    <p:sldId id="337" r:id="rId36"/>
   </p:sldIdLst>
   <p:sldSz cx="12192000" cy="6858000"/>
   <p:notesSz cx="6858000" cy="9144000"/>
@@ -274,7 +277,7 @@
           <a:p>
             <a:fld id="{E15B7D8E-2A20-4C0E-991C-872DBB7459A8}" type="datetimeFigureOut">
               <a:rPr lang="da-DK" smtClean="0"/>
-              <a:t>27-09-2017</a:t>
+              <a:t>02-10-2017</a:t>
             </a:fld>
             <a:endParaRPr lang="da-DK"/>
           </a:p>
@@ -444,7 +447,7 @@
           <a:p>
             <a:fld id="{E15B7D8E-2A20-4C0E-991C-872DBB7459A8}" type="datetimeFigureOut">
               <a:rPr lang="da-DK" smtClean="0"/>
-              <a:t>27-09-2017</a:t>
+              <a:t>02-10-2017</a:t>
             </a:fld>
             <a:endParaRPr lang="da-DK"/>
           </a:p>
@@ -624,7 +627,7 @@
           <a:p>
             <a:fld id="{E15B7D8E-2A20-4C0E-991C-872DBB7459A8}" type="datetimeFigureOut">
               <a:rPr lang="da-DK" smtClean="0"/>
-              <a:t>27-09-2017</a:t>
+              <a:t>02-10-2017</a:t>
             </a:fld>
             <a:endParaRPr lang="da-DK"/>
           </a:p>
@@ -794,7 +797,7 @@
           <a:p>
             <a:fld id="{E15B7D8E-2A20-4C0E-991C-872DBB7459A8}" type="datetimeFigureOut">
               <a:rPr lang="da-DK" smtClean="0"/>
-              <a:t>27-09-2017</a:t>
+              <a:t>02-10-2017</a:t>
             </a:fld>
             <a:endParaRPr lang="da-DK"/>
           </a:p>
@@ -1040,7 +1043,7 @@
           <a:p>
             <a:fld id="{E15B7D8E-2A20-4C0E-991C-872DBB7459A8}" type="datetimeFigureOut">
               <a:rPr lang="da-DK" smtClean="0"/>
-              <a:t>27-09-2017</a:t>
+              <a:t>02-10-2017</a:t>
             </a:fld>
             <a:endParaRPr lang="da-DK"/>
           </a:p>
@@ -1272,7 +1275,7 @@
           <a:p>
             <a:fld id="{E15B7D8E-2A20-4C0E-991C-872DBB7459A8}" type="datetimeFigureOut">
               <a:rPr lang="da-DK" smtClean="0"/>
-              <a:t>27-09-2017</a:t>
+              <a:t>02-10-2017</a:t>
             </a:fld>
             <a:endParaRPr lang="da-DK"/>
           </a:p>
@@ -1639,7 +1642,7 @@
           <a:p>
             <a:fld id="{E15B7D8E-2A20-4C0E-991C-872DBB7459A8}" type="datetimeFigureOut">
               <a:rPr lang="da-DK" smtClean="0"/>
-              <a:t>27-09-2017</a:t>
+              <a:t>02-10-2017</a:t>
             </a:fld>
             <a:endParaRPr lang="da-DK"/>
           </a:p>
@@ -1757,7 +1760,7 @@
           <a:p>
             <a:fld id="{E15B7D8E-2A20-4C0E-991C-872DBB7459A8}" type="datetimeFigureOut">
               <a:rPr lang="da-DK" smtClean="0"/>
-              <a:t>27-09-2017</a:t>
+              <a:t>02-10-2017</a:t>
             </a:fld>
             <a:endParaRPr lang="da-DK"/>
           </a:p>
@@ -1852,7 +1855,7 @@
           <a:p>
             <a:fld id="{E15B7D8E-2A20-4C0E-991C-872DBB7459A8}" type="datetimeFigureOut">
               <a:rPr lang="da-DK" smtClean="0"/>
-              <a:t>27-09-2017</a:t>
+              <a:t>02-10-2017</a:t>
             </a:fld>
             <a:endParaRPr lang="da-DK"/>
           </a:p>
@@ -2129,7 +2132,7 @@
           <a:p>
             <a:fld id="{E15B7D8E-2A20-4C0E-991C-872DBB7459A8}" type="datetimeFigureOut">
               <a:rPr lang="da-DK" smtClean="0"/>
-              <a:t>27-09-2017</a:t>
+              <a:t>02-10-2017</a:t>
             </a:fld>
             <a:endParaRPr lang="da-DK"/>
           </a:p>
@@ -2382,7 +2385,7 @@
           <a:p>
             <a:fld id="{E15B7D8E-2A20-4C0E-991C-872DBB7459A8}" type="datetimeFigureOut">
               <a:rPr lang="da-DK" smtClean="0"/>
-              <a:t>27-09-2017</a:t>
+              <a:t>02-10-2017</a:t>
             </a:fld>
             <a:endParaRPr lang="da-DK"/>
           </a:p>
@@ -2595,7 +2598,7 @@
           <a:p>
             <a:fld id="{E15B7D8E-2A20-4C0E-991C-872DBB7459A8}" type="datetimeFigureOut">
               <a:rPr lang="da-DK" smtClean="0"/>
-              <a:t>27-09-2017</a:t>
+              <a:t>02-10-2017</a:t>
             </a:fld>
             <a:endParaRPr lang="da-DK"/>
           </a:p>
@@ -3770,13 +3773,13 @@
   <p:clrMapOvr>
     <a:masterClrMapping/>
   </p:clrMapOvr>
-  <mc:AlternateContent xmlns:mc="http://schemas.openxmlformats.org/markup-compatibility/2006">
-    <mc:Choice xmlns:p14="http://schemas.microsoft.com/office/powerpoint/2010/main" Requires="p14">
+  <mc:AlternateContent xmlns:mc="http://schemas.openxmlformats.org/markup-compatibility/2006" xmlns:p14="http://schemas.microsoft.com/office/powerpoint/2010/main">
+    <mc:Choice Requires="p14">
       <p:transition spd="med" p14:dur="700">
         <p:fade/>
       </p:transition>
     </mc:Choice>
-    <mc:Fallback>
+    <mc:Fallback xmlns="">
       <p:transition spd="med">
         <p:fade/>
       </p:transition>
@@ -4072,13 +4075,13 @@
   <p:clrMapOvr>
     <a:masterClrMapping/>
   </p:clrMapOvr>
-  <mc:AlternateContent xmlns:mc="http://schemas.openxmlformats.org/markup-compatibility/2006">
-    <mc:Choice xmlns:p14="http://schemas.microsoft.com/office/powerpoint/2010/main" Requires="p14">
+  <mc:AlternateContent xmlns:mc="http://schemas.openxmlformats.org/markup-compatibility/2006" xmlns:p14="http://schemas.microsoft.com/office/powerpoint/2010/main">
+    <mc:Choice Requires="p14">
       <p:transition spd="med" p14:dur="700">
         <p:fade/>
       </p:transition>
     </mc:Choice>
-    <mc:Fallback>
+    <mc:Fallback xmlns="">
       <p:transition spd="med">
         <p:fade/>
       </p:transition>
@@ -4545,9 +4548,6 @@
               </a:rPr>
               <a:t>}</a:t>
             </a:r>
-            <a:endParaRPr lang="da-DK" sz="3600" b="1">
-              <a:latin typeface="Consolas" panose="020B0609020204030204" pitchFamily="49" charset="0"/>
-            </a:endParaRPr>
           </a:p>
         </p:txBody>
       </p:sp>
@@ -5193,9 +5193,6 @@
               </a:rPr>
               <a:t>}</a:t>
             </a:r>
-            <a:endParaRPr lang="da-DK" sz="3600" b="1">
-              <a:latin typeface="Consolas" panose="020B0609020204030204" pitchFamily="49" charset="0"/>
-            </a:endParaRPr>
           </a:p>
         </p:txBody>
       </p:sp>
@@ -5281,13 +5278,13 @@
   <p:clrMapOvr>
     <a:masterClrMapping/>
   </p:clrMapOvr>
-  <mc:AlternateContent xmlns:mc="http://schemas.openxmlformats.org/markup-compatibility/2006">
-    <mc:Choice xmlns:p14="http://schemas.microsoft.com/office/powerpoint/2010/main" Requires="p14">
+  <mc:AlternateContent xmlns:mc="http://schemas.openxmlformats.org/markup-compatibility/2006" xmlns:p14="http://schemas.microsoft.com/office/powerpoint/2010/main">
+    <mc:Choice Requires="p14">
       <p:transition spd="med" p14:dur="700">
         <p:fade/>
       </p:transition>
     </mc:Choice>
-    <mc:Fallback>
+    <mc:Fallback xmlns="">
       <p:transition spd="med">
         <p:fade/>
       </p:transition>
@@ -6237,13 +6234,13 @@
   <p:clrMapOvr>
     <a:masterClrMapping/>
   </p:clrMapOvr>
-  <mc:AlternateContent xmlns:mc="http://schemas.openxmlformats.org/markup-compatibility/2006">
-    <mc:Choice xmlns:p14="http://schemas.microsoft.com/office/powerpoint/2010/main" Requires="p14">
+  <mc:AlternateContent xmlns:mc="http://schemas.openxmlformats.org/markup-compatibility/2006" xmlns:p14="http://schemas.microsoft.com/office/powerpoint/2010/main">
+    <mc:Choice Requires="p14">
       <p:transition spd="med" p14:dur="700">
         <p:fade/>
       </p:transition>
     </mc:Choice>
-    <mc:Fallback>
+    <mc:Fallback xmlns="">
       <p:transition spd="med">
         <p:fade/>
       </p:transition>
@@ -6627,13 +6624,13 @@
   <p:clrMapOvr>
     <a:masterClrMapping/>
   </p:clrMapOvr>
-  <mc:AlternateContent xmlns:mc="http://schemas.openxmlformats.org/markup-compatibility/2006">
-    <mc:Choice xmlns:p14="http://schemas.microsoft.com/office/powerpoint/2010/main" Requires="p14">
+  <mc:AlternateContent xmlns:mc="http://schemas.openxmlformats.org/markup-compatibility/2006" xmlns:p14="http://schemas.microsoft.com/office/powerpoint/2010/main">
+    <mc:Choice Requires="p14">
       <p:transition spd="med" p14:dur="700">
         <p:fade/>
       </p:transition>
     </mc:Choice>
-    <mc:Fallback>
+    <mc:Fallback xmlns="">
       <p:transition spd="med">
         <p:fade/>
       </p:transition>
@@ -7014,13 +7011,13 @@
   <p:clrMapOvr>
     <a:masterClrMapping/>
   </p:clrMapOvr>
-  <mc:AlternateContent xmlns:mc="http://schemas.openxmlformats.org/markup-compatibility/2006">
-    <mc:Choice xmlns:p14="http://schemas.microsoft.com/office/powerpoint/2010/main" Requires="p14">
+  <mc:AlternateContent xmlns:mc="http://schemas.openxmlformats.org/markup-compatibility/2006" xmlns:p14="http://schemas.microsoft.com/office/powerpoint/2010/main">
+    <mc:Choice Requires="p14">
       <p:transition spd="med" p14:dur="700">
         <p:fade/>
       </p:transition>
     </mc:Choice>
-    <mc:Fallback>
+    <mc:Fallback xmlns="">
       <p:transition spd="med">
         <p:fade/>
       </p:transition>
@@ -8189,13 +8186,7 @@
               <a:rPr lang="da-DK" sz="2800" b="1">
                 <a:latin typeface="Consolas" panose="020B0609020204030204" pitchFamily="49" charset="0"/>
               </a:rPr>
-              <a:t>age </a:t>
-            </a:r>
-            <a:r>
-              <a:rPr lang="da-DK" sz="2800" b="1">
-                <a:latin typeface="Consolas" panose="020B0609020204030204" pitchFamily="49" charset="0"/>
-              </a:rPr>
-              <a:t>&lt; </a:t>
+              <a:t>age &lt; </a:t>
             </a:r>
             <a:r>
               <a:rPr lang="da-DK" sz="2800" b="1" smtClean="0">
@@ -8922,13 +8913,13 @@
   <p:clrMapOvr>
     <a:masterClrMapping/>
   </p:clrMapOvr>
-  <mc:AlternateContent xmlns:mc="http://schemas.openxmlformats.org/markup-compatibility/2006">
-    <mc:Choice xmlns:p14="http://schemas.microsoft.com/office/powerpoint/2010/main" Requires="p14">
+  <mc:AlternateContent xmlns:mc="http://schemas.openxmlformats.org/markup-compatibility/2006" xmlns:p14="http://schemas.microsoft.com/office/powerpoint/2010/main">
+    <mc:Choice Requires="p14">
       <p:transition spd="med" p14:dur="700">
         <p:fade/>
       </p:transition>
     </mc:Choice>
-    <mc:Fallback>
+    <mc:Fallback xmlns="">
       <p:transition spd="med">
         <p:fade/>
       </p:transition>
@@ -9060,13 +9051,7 @@
               <a:rPr lang="da-DK" sz="2000" b="1">
                 <a:latin typeface="Consolas" panose="020B0609020204030204" pitchFamily="49" charset="0"/>
               </a:rPr>
-              <a:t>age </a:t>
-            </a:r>
-            <a:r>
-              <a:rPr lang="da-DK" sz="2000" b="1">
-                <a:latin typeface="Consolas" panose="020B0609020204030204" pitchFamily="49" charset="0"/>
-              </a:rPr>
-              <a:t>&lt; </a:t>
+              <a:t>age &lt; </a:t>
             </a:r>
             <a:r>
               <a:rPr lang="da-DK" sz="2000" b="1" smtClean="0">
@@ -9146,13 +9131,7 @@
               <a:rPr lang="da-DK" sz="2000" b="1">
                 <a:latin typeface="Consolas" panose="020B0609020204030204" pitchFamily="49" charset="0"/>
               </a:rPr>
-              <a:t>(age </a:t>
-            </a:r>
-            <a:r>
-              <a:rPr lang="da-DK" sz="2000" b="1">
-                <a:latin typeface="Consolas" panose="020B0609020204030204" pitchFamily="49" charset="0"/>
-              </a:rPr>
-              <a:t>&lt; </a:t>
+              <a:t>(age &lt; </a:t>
             </a:r>
             <a:r>
               <a:rPr lang="da-DK" sz="2000" b="1" smtClean="0">
@@ -9194,18 +9173,7 @@
                 </a:solidFill>
                 <a:latin typeface="Consolas" panose="020B0609020204030204" pitchFamily="49" charset="0"/>
               </a:rPr>
-              <a:t>price </a:t>
-            </a:r>
-            <a:r>
-              <a:rPr lang="da-DK" sz="2000" b="1">
-                <a:solidFill>
-                  <a:schemeClr val="accent4">
-                    <a:lumMod val="75000"/>
-                  </a:schemeClr>
-                </a:solidFill>
-                <a:latin typeface="Consolas" panose="020B0609020204030204" pitchFamily="49" charset="0"/>
-              </a:rPr>
-              <a:t>= </a:t>
+              <a:t>price = </a:t>
             </a:r>
             <a:r>
               <a:rPr lang="da-DK" sz="2000" b="1" smtClean="0">
@@ -9291,13 +9259,13 @@
   <p:clrMapOvr>
     <a:masterClrMapping/>
   </p:clrMapOvr>
-  <mc:AlternateContent xmlns:mc="http://schemas.openxmlformats.org/markup-compatibility/2006">
-    <mc:Choice xmlns:p14="http://schemas.microsoft.com/office/powerpoint/2010/main" Requires="p14">
+  <mc:AlternateContent xmlns:mc="http://schemas.openxmlformats.org/markup-compatibility/2006" xmlns:p14="http://schemas.microsoft.com/office/powerpoint/2010/main">
+    <mc:Choice Requires="p14">
       <p:transition spd="med" p14:dur="700">
         <p:fade/>
       </p:transition>
     </mc:Choice>
-    <mc:Fallback>
+    <mc:Fallback xmlns="">
       <p:transition spd="med">
         <p:fade/>
       </p:transition>
@@ -9668,9 +9636,6 @@
               </a:rPr>
               <a:t>}</a:t>
             </a:r>
-            <a:endParaRPr lang="da-DK" sz="4800" b="1">
-              <a:latin typeface="Consolas" panose="020B0609020204030204" pitchFamily="49" charset="0"/>
-            </a:endParaRPr>
           </a:p>
         </p:txBody>
       </p:sp>
@@ -10295,9 +10260,6 @@
               </a:rPr>
               <a:t>}</a:t>
             </a:r>
-            <a:endParaRPr lang="da-DK" sz="4800" b="1">
-              <a:latin typeface="Consolas" panose="020B0609020204030204" pitchFamily="49" charset="0"/>
-            </a:endParaRPr>
           </a:p>
         </p:txBody>
       </p:sp>
@@ -10444,13 +10406,13 @@
   <p:clrMapOvr>
     <a:masterClrMapping/>
   </p:clrMapOvr>
-  <mc:AlternateContent xmlns:mc="http://schemas.openxmlformats.org/markup-compatibility/2006">
-    <mc:Choice xmlns:p14="http://schemas.microsoft.com/office/powerpoint/2010/main" Requires="p14">
+  <mc:AlternateContent xmlns:mc="http://schemas.openxmlformats.org/markup-compatibility/2006" xmlns:p14="http://schemas.microsoft.com/office/powerpoint/2010/main">
+    <mc:Choice Requires="p14">
       <p:transition spd="med" p14:dur="700">
         <p:fade/>
       </p:transition>
     </mc:Choice>
-    <mc:Fallback>
+    <mc:Fallback xmlns="">
       <p:transition spd="med">
         <p:fade/>
       </p:transition>
@@ -10714,13 +10676,13 @@
   <p:clrMapOvr>
     <a:masterClrMapping/>
   </p:clrMapOvr>
-  <mc:AlternateContent xmlns:mc="http://schemas.openxmlformats.org/markup-compatibility/2006">
-    <mc:Choice xmlns:p14="http://schemas.microsoft.com/office/powerpoint/2010/main" Requires="p14">
+  <mc:AlternateContent xmlns:mc="http://schemas.openxmlformats.org/markup-compatibility/2006" xmlns:p14="http://schemas.microsoft.com/office/powerpoint/2010/main">
+    <mc:Choice Requires="p14">
       <p:transition spd="med" p14:dur="700">
         <p:fade/>
       </p:transition>
     </mc:Choice>
-    <mc:Fallback>
+    <mc:Fallback xmlns="">
       <p:transition spd="med">
         <p:fade/>
       </p:transition>
@@ -11091,13 +11053,13 @@
   <p:clrMapOvr>
     <a:masterClrMapping/>
   </p:clrMapOvr>
-  <mc:AlternateContent xmlns:mc="http://schemas.openxmlformats.org/markup-compatibility/2006">
-    <mc:Choice xmlns:p14="http://schemas.microsoft.com/office/powerpoint/2010/main" Requires="p14">
+  <mc:AlternateContent xmlns:mc="http://schemas.openxmlformats.org/markup-compatibility/2006" xmlns:p14="http://schemas.microsoft.com/office/powerpoint/2010/main">
+    <mc:Choice Requires="p14">
       <p:transition spd="med" p14:dur="700">
         <p:fade/>
       </p:transition>
     </mc:Choice>
-    <mc:Fallback>
+    <mc:Fallback xmlns="">
       <p:transition spd="med">
         <p:fade/>
       </p:transition>
@@ -11264,9 +11226,6 @@
               </a:rPr>
               <a:t>}</a:t>
             </a:r>
-            <a:endParaRPr lang="da-DK" sz="3600" b="1">
-              <a:latin typeface="Consolas" panose="020B0609020204030204" pitchFamily="49" charset="0"/>
-            </a:endParaRPr>
           </a:p>
         </p:txBody>
       </p:sp>
@@ -12072,9 +12031,6 @@
               </a:rPr>
               <a:t>}</a:t>
             </a:r>
-            <a:endParaRPr lang="da-DK" sz="4800" b="1">
-              <a:latin typeface="Consolas" panose="020B0609020204030204" pitchFamily="49" charset="0"/>
-            </a:endParaRPr>
           </a:p>
         </p:txBody>
       </p:sp>
@@ -12635,9 +12591,6 @@
               </a:rPr>
               <a:t>}</a:t>
             </a:r>
-            <a:endParaRPr lang="da-DK" sz="4800" b="1">
-              <a:latin typeface="Consolas" panose="020B0609020204030204" pitchFamily="49" charset="0"/>
-            </a:endParaRPr>
           </a:p>
         </p:txBody>
       </p:sp>
@@ -12784,13 +12737,13 @@
   <p:clrMapOvr>
     <a:masterClrMapping/>
   </p:clrMapOvr>
-  <mc:AlternateContent xmlns:mc="http://schemas.openxmlformats.org/markup-compatibility/2006">
-    <mc:Choice xmlns:p14="http://schemas.microsoft.com/office/powerpoint/2010/main" Requires="p14">
+  <mc:AlternateContent xmlns:mc="http://schemas.openxmlformats.org/markup-compatibility/2006" xmlns:p14="http://schemas.microsoft.com/office/powerpoint/2010/main">
+    <mc:Choice Requires="p14">
       <p:transition spd="med" p14:dur="700">
         <p:fade/>
       </p:transition>
     </mc:Choice>
-    <mc:Fallback>
+    <mc:Fallback xmlns="">
       <p:transition spd="med">
         <p:fade/>
       </p:transition>
@@ -13117,9 +13070,6 @@
               </a:rPr>
               <a:t>}</a:t>
             </a:r>
-            <a:endParaRPr lang="da-DK" sz="4800" b="1">
-              <a:latin typeface="Consolas" panose="020B0609020204030204" pitchFamily="49" charset="0"/>
-            </a:endParaRPr>
           </a:p>
         </p:txBody>
       </p:sp>
@@ -13341,13 +13291,13 @@
   <p:clrMapOvr>
     <a:masterClrMapping/>
   </p:clrMapOvr>
-  <mc:AlternateContent xmlns:mc="http://schemas.openxmlformats.org/markup-compatibility/2006">
-    <mc:Choice xmlns:p14="http://schemas.microsoft.com/office/powerpoint/2010/main" Requires="p14">
+  <mc:AlternateContent xmlns:mc="http://schemas.openxmlformats.org/markup-compatibility/2006" xmlns:p14="http://schemas.microsoft.com/office/powerpoint/2010/main">
+    <mc:Choice Requires="p14">
       <p:transition spd="med" p14:dur="700">
         <p:fade/>
       </p:transition>
     </mc:Choice>
-    <mc:Fallback>
+    <mc:Fallback xmlns="">
       <p:transition spd="med">
         <p:fade/>
       </p:transition>
@@ -13475,13 +13425,13 @@
   <p:clrMapOvr>
     <a:masterClrMapping/>
   </p:clrMapOvr>
-  <mc:AlternateContent xmlns:mc="http://schemas.openxmlformats.org/markup-compatibility/2006">
-    <mc:Choice xmlns:p14="http://schemas.microsoft.com/office/powerpoint/2010/main" Requires="p14">
+  <mc:AlternateContent xmlns:mc="http://schemas.openxmlformats.org/markup-compatibility/2006" xmlns:p14="http://schemas.microsoft.com/office/powerpoint/2010/main">
+    <mc:Choice Requires="p14">
       <p:transition spd="med" p14:dur="700">
         <p:fade/>
       </p:transition>
     </mc:Choice>
-    <mc:Fallback>
+    <mc:Fallback xmlns="">
       <p:transition spd="med">
         <p:fade/>
       </p:transition>
@@ -13844,13 +13794,13 @@
   <p:clrMapOvr>
     <a:masterClrMapping/>
   </p:clrMapOvr>
-  <mc:AlternateContent xmlns:mc="http://schemas.openxmlformats.org/markup-compatibility/2006">
-    <mc:Choice xmlns:p14="http://schemas.microsoft.com/office/powerpoint/2010/main" Requires="p14">
+  <mc:AlternateContent xmlns:mc="http://schemas.openxmlformats.org/markup-compatibility/2006" xmlns:p14="http://schemas.microsoft.com/office/powerpoint/2010/main">
+    <mc:Choice Requires="p14">
       <p:transition spd="med" p14:dur="700">
         <p:fade/>
       </p:transition>
     </mc:Choice>
-    <mc:Fallback>
+    <mc:Fallback xmlns="">
       <p:transition spd="med">
         <p:fade/>
       </p:transition>
@@ -13883,19 +13833,103 @@
           <a:chExt cx="0" cy="0"/>
         </a:xfrm>
       </p:grpSpPr>
+      <p:sp>
+        <p:nvSpPr>
+          <p:cNvPr id="5" name="Rombe 4"/>
+          <p:cNvSpPr/>
+          <p:nvPr/>
+        </p:nvSpPr>
+        <p:spPr>
+          <a:xfrm>
+            <a:off x="2525696" y="1667531"/>
+            <a:ext cx="1080000" cy="1080000"/>
+          </a:xfrm>
+          <a:prstGeom prst="diamond">
+            <a:avLst/>
+          </a:prstGeom>
+        </p:spPr>
+        <p:style>
+          <a:lnRef idx="2">
+            <a:schemeClr val="accent1">
+              <a:shade val="50000"/>
+            </a:schemeClr>
+          </a:lnRef>
+          <a:fillRef idx="1">
+            <a:schemeClr val="accent1"/>
+          </a:fillRef>
+          <a:effectRef idx="0">
+            <a:schemeClr val="accent1"/>
+          </a:effectRef>
+          <a:fontRef idx="minor">
+            <a:schemeClr val="lt1"/>
+          </a:fontRef>
+        </p:style>
+        <p:txBody>
+          <a:bodyPr rtlCol="0" anchor="ctr"/>
+          <a:lstStyle/>
+          <a:p>
+            <a:pPr algn="ctr"/>
+            <a:r>
+              <a:rPr lang="da-DK" sz="4800" smtClean="0"/>
+              <a:t>?</a:t>
+            </a:r>
+            <a:endParaRPr lang="da-DK" sz="4800"/>
+          </a:p>
+        </p:txBody>
+      </p:sp>
+      <p:cxnSp>
+        <p:nvCxnSpPr>
+          <p:cNvPr id="10" name="Lige pilforbindelse 9"/>
+          <p:cNvCxnSpPr>
+            <a:endCxn id="5" idx="0"/>
+          </p:cNvCxnSpPr>
+          <p:nvPr/>
+        </p:nvCxnSpPr>
+        <p:spPr>
+          <a:xfrm>
+            <a:off x="3061547" y="684107"/>
+            <a:ext cx="4149" cy="983424"/>
+          </a:xfrm>
+          <a:prstGeom prst="straightConnector1">
+            <a:avLst/>
+          </a:prstGeom>
+          <a:ln w="76200">
+            <a:solidFill>
+              <a:schemeClr val="tx1">
+                <a:lumMod val="95000"/>
+                <a:lumOff val="5000"/>
+              </a:schemeClr>
+            </a:solidFill>
+            <a:tailEnd type="triangle"/>
+          </a:ln>
+        </p:spPr>
+        <p:style>
+          <a:lnRef idx="1">
+            <a:schemeClr val="accent1"/>
+          </a:lnRef>
+          <a:fillRef idx="0">
+            <a:schemeClr val="accent1"/>
+          </a:fillRef>
+          <a:effectRef idx="0">
+            <a:schemeClr val="accent1"/>
+          </a:effectRef>
+          <a:fontRef idx="minor">
+            <a:schemeClr val="tx1"/>
+          </a:fontRef>
+        </p:style>
+      </p:cxnSp>
       <p:cxnSp>
         <p:nvCxnSpPr>
           <p:cNvPr id="16" name="Lige pilforbindelse 15"/>
           <p:cNvCxnSpPr>
-            <a:stCxn id="13" idx="2"/>
-            <a:endCxn id="21" idx="0"/>
+            <a:endCxn id="18" idx="0"/>
           </p:cNvCxnSpPr>
           <p:nvPr/>
         </p:nvCxnSpPr>
         <p:spPr>
           <a:xfrm>
-            <a:off x="1314030" y="2138309"/>
-            <a:ext cx="1" cy="640991"/>
+            <a:off x="3061547" y="2747531"/>
+            <a:ext cx="0" cy="539771"/>
           </a:xfrm>
           <a:prstGeom prst="straightConnector1">
             <a:avLst/>
@@ -13926,526 +13960,13 @@
       </p:cxnSp>
       <p:sp>
         <p:nvSpPr>
-          <p:cNvPr id="11" name="Tekstfelt 10"/>
-          <p:cNvSpPr txBox="1"/>
+          <p:cNvPr id="18" name="Rektangel 17"/>
+          <p:cNvSpPr/>
           <p:nvPr/>
         </p:nvSpPr>
         <p:spPr>
           <a:xfrm>
-            <a:off x="8446347" y="345129"/>
-            <a:ext cx="3352800" cy="5632311"/>
-          </a:xfrm>
-          <a:prstGeom prst="rect">
-            <a:avLst/>
-          </a:prstGeom>
-          <a:noFill/>
-        </p:spPr>
-        <p:txBody>
-          <a:bodyPr wrap="square" rtlCol="0">
-            <a:spAutoFit/>
-          </a:bodyPr>
-          <a:lstStyle/>
-          <a:p>
-            <a:r>
-              <a:rPr lang="da-DK" sz="2400" b="1" smtClean="0">
-                <a:solidFill>
-                  <a:srgbClr val="0070C0"/>
-                </a:solidFill>
-                <a:latin typeface="Consolas" panose="020B0609020204030204" pitchFamily="49" charset="0"/>
-              </a:rPr>
-              <a:t>switch</a:t>
-            </a:r>
-            <a:r>
-              <a:rPr lang="da-DK" sz="2400" b="1" smtClean="0">
-                <a:latin typeface="Consolas" panose="020B0609020204030204" pitchFamily="49" charset="0"/>
-              </a:rPr>
-              <a:t> (age)</a:t>
-            </a:r>
-          </a:p>
-          <a:p>
-            <a:r>
-              <a:rPr lang="da-DK" sz="2400" b="1" smtClean="0">
-                <a:latin typeface="Consolas" panose="020B0609020204030204" pitchFamily="49" charset="0"/>
-              </a:rPr>
-              <a:t>{</a:t>
-            </a:r>
-          </a:p>
-          <a:p>
-            <a:r>
-              <a:rPr lang="da-DK" sz="2400" b="1" smtClean="0">
-                <a:latin typeface="Consolas" panose="020B0609020204030204" pitchFamily="49" charset="0"/>
-              </a:rPr>
-              <a:t>   </a:t>
-            </a:r>
-            <a:r>
-              <a:rPr lang="da-DK" sz="2400" b="1">
-                <a:solidFill>
-                  <a:srgbClr val="0070C0"/>
-                </a:solidFill>
-                <a:latin typeface="Consolas" panose="020B0609020204030204" pitchFamily="49" charset="0"/>
-              </a:rPr>
-              <a:t>case</a:t>
-            </a:r>
-            <a:r>
-              <a:rPr lang="da-DK" sz="2400" b="1" smtClean="0">
-                <a:latin typeface="Consolas" panose="020B0609020204030204" pitchFamily="49" charset="0"/>
-              </a:rPr>
-              <a:t> … :</a:t>
-            </a:r>
-          </a:p>
-          <a:p>
-            <a:r>
-              <a:rPr lang="da-DK" sz="2400" b="1">
-                <a:latin typeface="Consolas" panose="020B0609020204030204" pitchFamily="49" charset="0"/>
-              </a:rPr>
-              <a:t> </a:t>
-            </a:r>
-            <a:r>
-              <a:rPr lang="da-DK" sz="2400" b="1" smtClean="0">
-                <a:latin typeface="Consolas" panose="020B0609020204030204" pitchFamily="49" charset="0"/>
-              </a:rPr>
-              <a:t>     </a:t>
-            </a:r>
-            <a:r>
-              <a:rPr lang="da-DK" sz="2400" b="1" smtClean="0">
-                <a:solidFill>
-                  <a:schemeClr val="accent6">
-                    <a:lumMod val="75000"/>
-                  </a:schemeClr>
-                </a:solidFill>
-                <a:latin typeface="Consolas" panose="020B0609020204030204" pitchFamily="49" charset="0"/>
-              </a:rPr>
-              <a:t>;</a:t>
-            </a:r>
-          </a:p>
-          <a:p>
-            <a:r>
-              <a:rPr lang="da-DK" sz="2400" b="1">
-                <a:latin typeface="Consolas" panose="020B0609020204030204" pitchFamily="49" charset="0"/>
-              </a:rPr>
-              <a:t> </a:t>
-            </a:r>
-            <a:r>
-              <a:rPr lang="da-DK" sz="2400" b="1" smtClean="0">
-                <a:latin typeface="Consolas" panose="020B0609020204030204" pitchFamily="49" charset="0"/>
-              </a:rPr>
-              <a:t>     </a:t>
-            </a:r>
-            <a:r>
-              <a:rPr lang="da-DK" sz="2400" b="1">
-                <a:solidFill>
-                  <a:srgbClr val="0070C0"/>
-                </a:solidFill>
-                <a:latin typeface="Consolas" panose="020B0609020204030204" pitchFamily="49" charset="0"/>
-              </a:rPr>
-              <a:t>break</a:t>
-            </a:r>
-            <a:r>
-              <a:rPr lang="da-DK" sz="2400" b="1" smtClean="0">
-                <a:latin typeface="Consolas" panose="020B0609020204030204" pitchFamily="49" charset="0"/>
-              </a:rPr>
-              <a:t>;</a:t>
-            </a:r>
-            <a:endParaRPr lang="da-DK" sz="2400" b="1" smtClean="0">
-              <a:latin typeface="Consolas" panose="020B0609020204030204" pitchFamily="49" charset="0"/>
-            </a:endParaRPr>
-          </a:p>
-          <a:p>
-            <a:r>
-              <a:rPr lang="da-DK" sz="2400" b="1">
-                <a:latin typeface="Consolas" panose="020B0609020204030204" pitchFamily="49" charset="0"/>
-              </a:rPr>
-              <a:t> </a:t>
-            </a:r>
-            <a:r>
-              <a:rPr lang="da-DK" sz="2400" b="1" smtClean="0">
-                <a:latin typeface="Consolas" panose="020B0609020204030204" pitchFamily="49" charset="0"/>
-              </a:rPr>
-              <a:t>  </a:t>
-            </a:r>
-            <a:r>
-              <a:rPr lang="da-DK" sz="2400" b="1" smtClean="0">
-                <a:solidFill>
-                  <a:srgbClr val="0070C0"/>
-                </a:solidFill>
-                <a:latin typeface="Consolas" panose="020B0609020204030204" pitchFamily="49" charset="0"/>
-              </a:rPr>
-              <a:t>case</a:t>
-            </a:r>
-            <a:r>
-              <a:rPr lang="da-DK" sz="2400" b="1" smtClean="0">
-                <a:latin typeface="Consolas" panose="020B0609020204030204" pitchFamily="49" charset="0"/>
-              </a:rPr>
-              <a:t> … :</a:t>
-            </a:r>
-            <a:endParaRPr lang="da-DK" sz="2400" b="1">
-              <a:latin typeface="Consolas" panose="020B0609020204030204" pitchFamily="49" charset="0"/>
-            </a:endParaRPr>
-          </a:p>
-          <a:p>
-            <a:r>
-              <a:rPr lang="da-DK" sz="2400" b="1">
-                <a:latin typeface="Consolas" panose="020B0609020204030204" pitchFamily="49" charset="0"/>
-              </a:rPr>
-              <a:t>      </a:t>
-            </a:r>
-            <a:r>
-              <a:rPr lang="da-DK" sz="2400" b="1" smtClean="0">
-                <a:solidFill>
-                  <a:srgbClr val="B8B800"/>
-                </a:solidFill>
-                <a:latin typeface="Consolas" panose="020B0609020204030204" pitchFamily="49" charset="0"/>
-              </a:rPr>
-              <a:t>;</a:t>
-            </a:r>
-            <a:endParaRPr lang="da-DK" sz="2400" b="1">
-              <a:solidFill>
-                <a:srgbClr val="B8B800"/>
-              </a:solidFill>
-              <a:latin typeface="Consolas" panose="020B0609020204030204" pitchFamily="49" charset="0"/>
-            </a:endParaRPr>
-          </a:p>
-          <a:p>
-            <a:r>
-              <a:rPr lang="da-DK" sz="2400" b="1">
-                <a:latin typeface="Consolas" panose="020B0609020204030204" pitchFamily="49" charset="0"/>
-              </a:rPr>
-              <a:t>      </a:t>
-            </a:r>
-            <a:r>
-              <a:rPr lang="da-DK" sz="2400" b="1">
-                <a:solidFill>
-                  <a:srgbClr val="0070C0"/>
-                </a:solidFill>
-                <a:latin typeface="Consolas" panose="020B0609020204030204" pitchFamily="49" charset="0"/>
-              </a:rPr>
-              <a:t>break</a:t>
-            </a:r>
-            <a:r>
-              <a:rPr lang="da-DK" sz="2400" b="1" smtClean="0">
-                <a:latin typeface="Consolas" panose="020B0609020204030204" pitchFamily="49" charset="0"/>
-              </a:rPr>
-              <a:t>;</a:t>
-            </a:r>
-          </a:p>
-          <a:p>
-            <a:r>
-              <a:rPr lang="da-DK" sz="2400" b="1">
-                <a:latin typeface="Consolas" panose="020B0609020204030204" pitchFamily="49" charset="0"/>
-              </a:rPr>
-              <a:t> </a:t>
-            </a:r>
-            <a:r>
-              <a:rPr lang="da-DK" sz="2400" b="1" smtClean="0">
-                <a:latin typeface="Consolas" panose="020B0609020204030204" pitchFamily="49" charset="0"/>
-              </a:rPr>
-              <a:t>  </a:t>
-            </a:r>
-            <a:r>
-              <a:rPr lang="da-DK" sz="2400" b="1" smtClean="0">
-                <a:solidFill>
-                  <a:srgbClr val="0070C0"/>
-                </a:solidFill>
-                <a:latin typeface="Consolas" panose="020B0609020204030204" pitchFamily="49" charset="0"/>
-              </a:rPr>
-              <a:t>case</a:t>
-            </a:r>
-            <a:r>
-              <a:rPr lang="da-DK" sz="2400" b="1" smtClean="0">
-                <a:latin typeface="Consolas" panose="020B0609020204030204" pitchFamily="49" charset="0"/>
-              </a:rPr>
-              <a:t> … :</a:t>
-            </a:r>
-            <a:endParaRPr lang="da-DK" sz="2400" b="1">
-              <a:latin typeface="Consolas" panose="020B0609020204030204" pitchFamily="49" charset="0"/>
-            </a:endParaRPr>
-          </a:p>
-          <a:p>
-            <a:r>
-              <a:rPr lang="da-DK" sz="2400" b="1">
-                <a:latin typeface="Consolas" panose="020B0609020204030204" pitchFamily="49" charset="0"/>
-              </a:rPr>
-              <a:t>      </a:t>
-            </a:r>
-            <a:r>
-              <a:rPr lang="da-DK" sz="2400" b="1" smtClean="0">
-                <a:solidFill>
-                  <a:schemeClr val="bg1">
-                    <a:lumMod val="50000"/>
-                  </a:schemeClr>
-                </a:solidFill>
-                <a:latin typeface="Consolas" panose="020B0609020204030204" pitchFamily="49" charset="0"/>
-              </a:rPr>
-              <a:t>;</a:t>
-            </a:r>
-            <a:endParaRPr lang="da-DK" sz="2400" b="1">
-              <a:solidFill>
-                <a:schemeClr val="bg1">
-                  <a:lumMod val="50000"/>
-                </a:schemeClr>
-              </a:solidFill>
-              <a:latin typeface="Consolas" panose="020B0609020204030204" pitchFamily="49" charset="0"/>
-            </a:endParaRPr>
-          </a:p>
-          <a:p>
-            <a:r>
-              <a:rPr lang="da-DK" sz="2400" b="1">
-                <a:latin typeface="Consolas" panose="020B0609020204030204" pitchFamily="49" charset="0"/>
-              </a:rPr>
-              <a:t>      </a:t>
-            </a:r>
-            <a:r>
-              <a:rPr lang="da-DK" sz="2400" b="1">
-                <a:solidFill>
-                  <a:srgbClr val="0070C0"/>
-                </a:solidFill>
-                <a:latin typeface="Consolas" panose="020B0609020204030204" pitchFamily="49" charset="0"/>
-              </a:rPr>
-              <a:t>break</a:t>
-            </a:r>
-            <a:r>
-              <a:rPr lang="da-DK" sz="2400" b="1" smtClean="0">
-                <a:latin typeface="Consolas" panose="020B0609020204030204" pitchFamily="49" charset="0"/>
-              </a:rPr>
-              <a:t>;</a:t>
-            </a:r>
-          </a:p>
-          <a:p>
-            <a:r>
-              <a:rPr lang="da-DK" sz="2400" b="1">
-                <a:latin typeface="Consolas" panose="020B0609020204030204" pitchFamily="49" charset="0"/>
-              </a:rPr>
-              <a:t> </a:t>
-            </a:r>
-            <a:r>
-              <a:rPr lang="da-DK" sz="2400" b="1" smtClean="0">
-                <a:latin typeface="Consolas" panose="020B0609020204030204" pitchFamily="49" charset="0"/>
-              </a:rPr>
-              <a:t>  </a:t>
-            </a:r>
-            <a:r>
-              <a:rPr lang="da-DK" sz="2400" b="1" smtClean="0">
-                <a:solidFill>
-                  <a:srgbClr val="0070C0"/>
-                </a:solidFill>
-                <a:latin typeface="Consolas" panose="020B0609020204030204" pitchFamily="49" charset="0"/>
-              </a:rPr>
-              <a:t>default</a:t>
-            </a:r>
-            <a:r>
-              <a:rPr lang="da-DK" sz="2400" b="1" smtClean="0">
-                <a:latin typeface="Consolas" panose="020B0609020204030204" pitchFamily="49" charset="0"/>
-              </a:rPr>
-              <a:t>:</a:t>
-            </a:r>
-            <a:endParaRPr lang="da-DK" sz="2400" b="1">
-              <a:latin typeface="Consolas" panose="020B0609020204030204" pitchFamily="49" charset="0"/>
-            </a:endParaRPr>
-          </a:p>
-          <a:p>
-            <a:r>
-              <a:rPr lang="da-DK" sz="2400" b="1">
-                <a:latin typeface="Consolas" panose="020B0609020204030204" pitchFamily="49" charset="0"/>
-              </a:rPr>
-              <a:t>      </a:t>
-            </a:r>
-            <a:r>
-              <a:rPr lang="da-DK" sz="2400" b="1" smtClean="0">
-                <a:solidFill>
-                  <a:srgbClr val="FF0000"/>
-                </a:solidFill>
-                <a:latin typeface="Consolas" panose="020B0609020204030204" pitchFamily="49" charset="0"/>
-              </a:rPr>
-              <a:t>;</a:t>
-            </a:r>
-            <a:endParaRPr lang="da-DK" sz="2400" b="1">
-              <a:solidFill>
-                <a:srgbClr val="FF0000"/>
-              </a:solidFill>
-              <a:latin typeface="Consolas" panose="020B0609020204030204" pitchFamily="49" charset="0"/>
-            </a:endParaRPr>
-          </a:p>
-          <a:p>
-            <a:r>
-              <a:rPr lang="da-DK" sz="2400" b="1">
-                <a:latin typeface="Consolas" panose="020B0609020204030204" pitchFamily="49" charset="0"/>
-              </a:rPr>
-              <a:t>      </a:t>
-            </a:r>
-            <a:r>
-              <a:rPr lang="da-DK" sz="2400" b="1">
-                <a:solidFill>
-                  <a:srgbClr val="0070C0"/>
-                </a:solidFill>
-                <a:latin typeface="Consolas" panose="020B0609020204030204" pitchFamily="49" charset="0"/>
-              </a:rPr>
-              <a:t>break</a:t>
-            </a:r>
-            <a:r>
-              <a:rPr lang="da-DK" sz="2400" b="1" smtClean="0">
-                <a:latin typeface="Consolas" panose="020B0609020204030204" pitchFamily="49" charset="0"/>
-              </a:rPr>
-              <a:t>;</a:t>
-            </a:r>
-            <a:endParaRPr lang="da-DK" sz="2400" b="1" smtClean="0">
-              <a:solidFill>
-                <a:schemeClr val="accent6">
-                  <a:lumMod val="75000"/>
-                </a:schemeClr>
-              </a:solidFill>
-              <a:latin typeface="Consolas" panose="020B0609020204030204" pitchFamily="49" charset="0"/>
-            </a:endParaRPr>
-          </a:p>
-          <a:p>
-            <a:r>
-              <a:rPr lang="da-DK" sz="2400" b="1">
-                <a:latin typeface="Consolas" panose="020B0609020204030204" pitchFamily="49" charset="0"/>
-              </a:rPr>
-              <a:t>}</a:t>
-            </a:r>
-            <a:endParaRPr lang="da-DK" sz="2400" b="1">
-              <a:latin typeface="Consolas" panose="020B0609020204030204" pitchFamily="49" charset="0"/>
-            </a:endParaRPr>
-          </a:p>
-        </p:txBody>
-      </p:sp>
-      <p:sp>
-        <p:nvSpPr>
-          <p:cNvPr id="2" name="Forbindelse 1"/>
-          <p:cNvSpPr/>
-          <p:nvPr/>
-        </p:nvSpPr>
-        <p:spPr>
-          <a:xfrm>
-            <a:off x="9526611" y="1516298"/>
-            <a:ext cx="360000" cy="360000"/>
-          </a:xfrm>
-          <a:prstGeom prst="flowChartConnector">
-            <a:avLst/>
-          </a:prstGeom>
-          <a:solidFill>
-            <a:schemeClr val="accent6">
-              <a:lumMod val="75000"/>
-            </a:schemeClr>
-          </a:solidFill>
-        </p:spPr>
-        <p:style>
-          <a:lnRef idx="2">
-            <a:schemeClr val="accent1">
-              <a:shade val="50000"/>
-            </a:schemeClr>
-          </a:lnRef>
-          <a:fillRef idx="1">
-            <a:schemeClr val="accent1"/>
-          </a:fillRef>
-          <a:effectRef idx="0">
-            <a:schemeClr val="accent1"/>
-          </a:effectRef>
-          <a:fontRef idx="minor">
-            <a:schemeClr val="lt1"/>
-          </a:fontRef>
-        </p:style>
-        <p:txBody>
-          <a:bodyPr rtlCol="0" anchor="ctr"/>
-          <a:lstStyle/>
-          <a:p>
-            <a:pPr algn="ctr"/>
-            <a:endParaRPr lang="da-DK"/>
-          </a:p>
-        </p:txBody>
-      </p:sp>
-      <p:sp>
-        <p:nvSpPr>
-          <p:cNvPr id="13" name="Rombe 12"/>
-          <p:cNvSpPr/>
-          <p:nvPr/>
-        </p:nvSpPr>
-        <p:spPr>
-          <a:xfrm>
-            <a:off x="774030" y="1058309"/>
-            <a:ext cx="1080000" cy="1080000"/>
-          </a:xfrm>
-          <a:prstGeom prst="diamond">
-            <a:avLst/>
-          </a:prstGeom>
-        </p:spPr>
-        <p:style>
-          <a:lnRef idx="2">
-            <a:schemeClr val="accent1">
-              <a:shade val="50000"/>
-            </a:schemeClr>
-          </a:lnRef>
-          <a:fillRef idx="1">
-            <a:schemeClr val="accent1"/>
-          </a:fillRef>
-          <a:effectRef idx="0">
-            <a:schemeClr val="accent1"/>
-          </a:effectRef>
-          <a:fontRef idx="minor">
-            <a:schemeClr val="lt1"/>
-          </a:fontRef>
-        </p:style>
-        <p:txBody>
-          <a:bodyPr rtlCol="0" anchor="ctr"/>
-          <a:lstStyle/>
-          <a:p>
-            <a:pPr algn="ctr"/>
-            <a:r>
-              <a:rPr lang="da-DK" sz="2800" smtClean="0"/>
-              <a:t>==</a:t>
-            </a:r>
-            <a:endParaRPr lang="da-DK" sz="2800"/>
-          </a:p>
-        </p:txBody>
-      </p:sp>
-      <p:cxnSp>
-        <p:nvCxnSpPr>
-          <p:cNvPr id="22" name="Lige pilforbindelse 21"/>
-          <p:cNvCxnSpPr>
-            <a:stCxn id="13" idx="3"/>
-            <a:endCxn id="30" idx="1"/>
-          </p:cNvCxnSpPr>
-          <p:nvPr/>
-        </p:nvCxnSpPr>
-        <p:spPr>
-          <a:xfrm>
-            <a:off x="1854030" y="1598309"/>
-            <a:ext cx="865642" cy="0"/>
-          </a:xfrm>
-          <a:prstGeom prst="straightConnector1">
-            <a:avLst/>
-          </a:prstGeom>
-          <a:ln w="76200">
-            <a:solidFill>
-              <a:srgbClr val="FF0000"/>
-            </a:solidFill>
-            <a:tailEnd type="triangle"/>
-          </a:ln>
-        </p:spPr>
-        <p:style>
-          <a:lnRef idx="1">
-            <a:schemeClr val="accent1"/>
-          </a:lnRef>
-          <a:fillRef idx="0">
-            <a:schemeClr val="accent1"/>
-          </a:fillRef>
-          <a:effectRef idx="0">
-            <a:schemeClr val="accent1"/>
-          </a:effectRef>
-          <a:fontRef idx="minor">
-            <a:schemeClr val="tx1"/>
-          </a:fontRef>
-        </p:style>
-      </p:cxnSp>
-      <p:sp>
-        <p:nvSpPr>
-          <p:cNvPr id="21" name="Rektangel 20"/>
-          <p:cNvSpPr/>
-          <p:nvPr/>
-        </p:nvSpPr>
-        <p:spPr>
-          <a:xfrm>
-            <a:off x="514398" y="2779300"/>
+            <a:off x="2261914" y="3287302"/>
             <a:ext cx="1599265" cy="887306"/>
           </a:xfrm>
           <a:prstGeom prst="rect">
@@ -14493,22 +14014,101 @@
           </a:p>
         </p:txBody>
       </p:sp>
+      <p:cxnSp>
+        <p:nvCxnSpPr>
+          <p:cNvPr id="20" name="Lige pilforbindelse 19"/>
+          <p:cNvCxnSpPr>
+            <a:stCxn id="18" idx="2"/>
+          </p:cNvCxnSpPr>
+          <p:nvPr/>
+        </p:nvCxnSpPr>
+        <p:spPr>
+          <a:xfrm flipH="1">
+            <a:off x="3061545" y="4174608"/>
+            <a:ext cx="2" cy="539771"/>
+          </a:xfrm>
+          <a:prstGeom prst="straightConnector1">
+            <a:avLst/>
+          </a:prstGeom>
+          <a:ln w="76200">
+            <a:solidFill>
+              <a:schemeClr val="accent6">
+                <a:lumMod val="75000"/>
+              </a:schemeClr>
+            </a:solidFill>
+            <a:tailEnd type="none"/>
+          </a:ln>
+        </p:spPr>
+        <p:style>
+          <a:lnRef idx="1">
+            <a:schemeClr val="accent1"/>
+          </a:lnRef>
+          <a:fillRef idx="0">
+            <a:schemeClr val="accent1"/>
+          </a:fillRef>
+          <a:effectRef idx="0">
+            <a:schemeClr val="accent1"/>
+          </a:effectRef>
+          <a:fontRef idx="minor">
+            <a:schemeClr val="tx1"/>
+          </a:fontRef>
+        </p:style>
+      </p:cxnSp>
+      <p:cxnSp>
+        <p:nvCxnSpPr>
+          <p:cNvPr id="36" name="Lige pilforbindelse 35"/>
+          <p:cNvCxnSpPr/>
+          <p:nvPr/>
+        </p:nvCxnSpPr>
+        <p:spPr>
+          <a:xfrm>
+            <a:off x="3061545" y="4714379"/>
+            <a:ext cx="4149" cy="983424"/>
+          </a:xfrm>
+          <a:prstGeom prst="straightConnector1">
+            <a:avLst/>
+          </a:prstGeom>
+          <a:ln w="76200">
+            <a:solidFill>
+              <a:schemeClr val="tx1">
+                <a:lumMod val="95000"/>
+                <a:lumOff val="5000"/>
+              </a:schemeClr>
+            </a:solidFill>
+            <a:tailEnd type="triangle"/>
+          </a:ln>
+        </p:spPr>
+        <p:style>
+          <a:lnRef idx="1">
+            <a:schemeClr val="accent1"/>
+          </a:lnRef>
+          <a:fillRef idx="0">
+            <a:schemeClr val="accent1"/>
+          </a:fillRef>
+          <a:effectRef idx="0">
+            <a:schemeClr val="accent1"/>
+          </a:effectRef>
+          <a:fontRef idx="minor">
+            <a:schemeClr val="tx1"/>
+          </a:fontRef>
+        </p:style>
+      </p:cxnSp>
       <p:sp>
         <p:nvSpPr>
-          <p:cNvPr id="26" name="Rektangel 25"/>
+          <p:cNvPr id="14" name="Rektangel 13"/>
           <p:cNvSpPr/>
           <p:nvPr/>
         </p:nvSpPr>
         <p:spPr>
           <a:xfrm>
-            <a:off x="2460040" y="2787228"/>
+            <a:off x="4212634" y="3287302"/>
             <a:ext cx="1599265" cy="887306"/>
           </a:xfrm>
           <a:prstGeom prst="rect">
             <a:avLst/>
           </a:prstGeom>
           <a:solidFill>
-            <a:srgbClr val="B8B800"/>
+            <a:srgbClr val="FF0000"/>
           </a:solidFill>
           <a:ln>
             <a:solidFill>
@@ -14549,28 +14149,146 @@
       </p:sp>
       <p:sp>
         <p:nvSpPr>
-          <p:cNvPr id="27" name="Rektangel 26"/>
+          <p:cNvPr id="13" name="Tekstfelt 12"/>
+          <p:cNvSpPr txBox="1"/>
+          <p:nvPr/>
+        </p:nvSpPr>
+        <p:spPr>
+          <a:xfrm>
+            <a:off x="6515947" y="927635"/>
+            <a:ext cx="5052906" cy="4524315"/>
+          </a:xfrm>
+          <a:prstGeom prst="rect">
+            <a:avLst/>
+          </a:prstGeom>
+          <a:noFill/>
+        </p:spPr>
+        <p:txBody>
+          <a:bodyPr wrap="square" rtlCol="0">
+            <a:spAutoFit/>
+          </a:bodyPr>
+          <a:lstStyle/>
+          <a:p>
+            <a:r>
+              <a:rPr lang="da-DK" sz="3600" b="1" smtClean="0">
+                <a:solidFill>
+                  <a:srgbClr val="0070C0"/>
+                </a:solidFill>
+                <a:latin typeface="Consolas" panose="020B0609020204030204" pitchFamily="49" charset="0"/>
+              </a:rPr>
+              <a:t>if</a:t>
+            </a:r>
+            <a:r>
+              <a:rPr lang="da-DK" sz="3600" b="1" smtClean="0">
+                <a:latin typeface="Consolas" panose="020B0609020204030204" pitchFamily="49" charset="0"/>
+              </a:rPr>
+              <a:t> (?)</a:t>
+            </a:r>
+          </a:p>
+          <a:p>
+            <a:r>
+              <a:rPr lang="da-DK" sz="3600" b="1" smtClean="0">
+                <a:latin typeface="Consolas" panose="020B0609020204030204" pitchFamily="49" charset="0"/>
+              </a:rPr>
+              <a:t>{</a:t>
+            </a:r>
+          </a:p>
+          <a:p>
+            <a:r>
+              <a:rPr lang="da-DK" sz="3600" b="1">
+                <a:latin typeface="Consolas" panose="020B0609020204030204" pitchFamily="49" charset="0"/>
+              </a:rPr>
+              <a:t> </a:t>
+            </a:r>
+            <a:r>
+              <a:rPr lang="da-DK" sz="3600" b="1" smtClean="0">
+                <a:latin typeface="Consolas" panose="020B0609020204030204" pitchFamily="49" charset="0"/>
+              </a:rPr>
+              <a:t>  …</a:t>
+            </a:r>
+          </a:p>
+          <a:p>
+            <a:r>
+              <a:rPr lang="da-DK" sz="3600" b="1" smtClean="0">
+                <a:latin typeface="Consolas" panose="020B0609020204030204" pitchFamily="49" charset="0"/>
+              </a:rPr>
+              <a:t>}</a:t>
+            </a:r>
+          </a:p>
+          <a:p>
+            <a:r>
+              <a:rPr lang="da-DK" sz="3600" b="1">
+                <a:solidFill>
+                  <a:srgbClr val="0070C0"/>
+                </a:solidFill>
+                <a:latin typeface="Consolas" panose="020B0609020204030204" pitchFamily="49" charset="0"/>
+              </a:rPr>
+              <a:t>else</a:t>
+            </a:r>
+          </a:p>
+          <a:p>
+            <a:r>
+              <a:rPr lang="da-DK" sz="3600" b="1" smtClean="0">
+                <a:latin typeface="Consolas" panose="020B0609020204030204" pitchFamily="49" charset="0"/>
+              </a:rPr>
+              <a:t>{</a:t>
+            </a:r>
+          </a:p>
+          <a:p>
+            <a:r>
+              <a:rPr lang="da-DK" sz="3600" b="1">
+                <a:solidFill>
+                  <a:srgbClr val="FF0000"/>
+                </a:solidFill>
+                <a:latin typeface="Consolas" panose="020B0609020204030204" pitchFamily="49" charset="0"/>
+              </a:rPr>
+              <a:t> </a:t>
+            </a:r>
+            <a:r>
+              <a:rPr lang="da-DK" sz="3600" b="1" smtClean="0">
+                <a:solidFill>
+                  <a:srgbClr val="FF0000"/>
+                </a:solidFill>
+                <a:latin typeface="Consolas" panose="020B0609020204030204" pitchFamily="49" charset="0"/>
+              </a:rPr>
+              <a:t>  …</a:t>
+            </a:r>
+            <a:endParaRPr lang="da-DK" sz="3600" b="1">
+              <a:solidFill>
+                <a:srgbClr val="FF0000"/>
+              </a:solidFill>
+              <a:latin typeface="Consolas" panose="020B0609020204030204" pitchFamily="49" charset="0"/>
+            </a:endParaRPr>
+          </a:p>
+          <a:p>
+            <a:r>
+              <a:rPr lang="da-DK" sz="3600" b="1">
+                <a:latin typeface="Consolas" panose="020B0609020204030204" pitchFamily="49" charset="0"/>
+              </a:rPr>
+              <a:t>}</a:t>
+            </a:r>
+          </a:p>
+        </p:txBody>
+      </p:sp>
+      <p:sp>
+        <p:nvSpPr>
+          <p:cNvPr id="15" name="Forbindelse 14"/>
           <p:cNvSpPr/>
           <p:nvPr/>
         </p:nvSpPr>
         <p:spPr>
           <a:xfrm>
-            <a:off x="6385945" y="2779300"/>
-            <a:ext cx="1599265" cy="887306"/>
-          </a:xfrm>
-          <a:prstGeom prst="rect">
+            <a:off x="7315201" y="2207531"/>
+            <a:ext cx="457200" cy="457200"/>
+          </a:xfrm>
+          <a:prstGeom prst="flowChartConnector">
             <a:avLst/>
           </a:prstGeom>
           <a:solidFill>
-            <a:srgbClr val="FF0000"/>
+            <a:schemeClr val="accent6">
+              <a:lumMod val="75000"/>
+            </a:schemeClr>
           </a:solidFill>
-          <a:ln>
-            <a:solidFill>
-              <a:schemeClr val="accent6">
-                <a:lumMod val="75000"/>
-              </a:schemeClr>
-            </a:solidFill>
-          </a:ln>
         </p:spPr>
         <p:style>
           <a:lnRef idx="2">
@@ -14593,28 +14311,27 @@
           <a:lstStyle/>
           <a:p>
             <a:pPr algn="ctr"/>
-            <a:r>
-              <a:rPr lang="da-DK" sz="4800" smtClean="0"/>
-              <a:t>{…}</a:t>
-            </a:r>
-            <a:endParaRPr lang="da-DK" sz="4800"/>
+            <a:endParaRPr lang="da-DK"/>
           </a:p>
         </p:txBody>
       </p:sp>
       <p:sp>
         <p:nvSpPr>
-          <p:cNvPr id="30" name="Rombe 29"/>
+          <p:cNvPr id="17" name="Forbindelse 16"/>
           <p:cNvSpPr/>
           <p:nvPr/>
         </p:nvSpPr>
         <p:spPr>
           <a:xfrm>
-            <a:off x="2719672" y="1058309"/>
-            <a:ext cx="1080000" cy="1080000"/>
-          </a:xfrm>
-          <a:prstGeom prst="diamond">
-            <a:avLst/>
-          </a:prstGeom>
+            <a:off x="7315201" y="4358064"/>
+            <a:ext cx="457200" cy="457200"/>
+          </a:xfrm>
+          <a:prstGeom prst="flowChartConnector">
+            <a:avLst/>
+          </a:prstGeom>
+          <a:solidFill>
+            <a:srgbClr val="FF0000"/>
+          </a:solidFill>
         </p:spPr>
         <p:style>
           <a:lnRef idx="2">
@@ -14637,174 +14354,27 @@
           <a:lstStyle/>
           <a:p>
             <a:pPr algn="ctr"/>
-            <a:r>
-              <a:rPr lang="da-DK" sz="2800" smtClean="0"/>
-              <a:t>==</a:t>
-            </a:r>
-            <a:endParaRPr lang="da-DK" sz="2800"/>
-          </a:p>
-        </p:txBody>
-      </p:sp>
-      <p:sp>
-        <p:nvSpPr>
-          <p:cNvPr id="31" name="Rombe 30"/>
-          <p:cNvSpPr/>
-          <p:nvPr/>
-        </p:nvSpPr>
-        <p:spPr>
-          <a:xfrm>
-            <a:off x="4665314" y="1058309"/>
-            <a:ext cx="1080000" cy="1080000"/>
-          </a:xfrm>
-          <a:prstGeom prst="diamond">
-            <a:avLst/>
-          </a:prstGeom>
-        </p:spPr>
-        <p:style>
-          <a:lnRef idx="2">
-            <a:schemeClr val="accent1">
-              <a:shade val="50000"/>
-            </a:schemeClr>
-          </a:lnRef>
-          <a:fillRef idx="1">
-            <a:schemeClr val="accent1"/>
-          </a:fillRef>
-          <a:effectRef idx="0">
-            <a:schemeClr val="accent1"/>
-          </a:effectRef>
-          <a:fontRef idx="minor">
-            <a:schemeClr val="lt1"/>
-          </a:fontRef>
-        </p:style>
-        <p:txBody>
-          <a:bodyPr rtlCol="0" anchor="ctr"/>
-          <a:lstStyle/>
-          <a:p>
-            <a:pPr algn="ctr"/>
-            <a:r>
-              <a:rPr lang="da-DK" sz="2800" smtClean="0"/>
-              <a:t>==</a:t>
-            </a:r>
-            <a:endParaRPr lang="da-DK" sz="2800"/>
+            <a:endParaRPr lang="da-DK"/>
           </a:p>
         </p:txBody>
       </p:sp>
       <p:cxnSp>
         <p:nvCxnSpPr>
-          <p:cNvPr id="32" name="Lige pilforbindelse 31"/>
-          <p:cNvCxnSpPr>
-            <a:stCxn id="30" idx="2"/>
-            <a:endCxn id="26" idx="0"/>
-          </p:cNvCxnSpPr>
+          <p:cNvPr id="19" name="Vinklet forbindelse 18"/>
+          <p:cNvCxnSpPr/>
           <p:nvPr/>
         </p:nvCxnSpPr>
         <p:spPr>
           <a:xfrm>
-            <a:off x="3259672" y="2138309"/>
-            <a:ext cx="1" cy="648919"/>
-          </a:xfrm>
-          <a:prstGeom prst="straightConnector1">
+            <a:off x="3605696" y="2207531"/>
+            <a:ext cx="1406571" cy="1079771"/>
+          </a:xfrm>
+          <a:prstGeom prst="bentConnector2">
             <a:avLst/>
           </a:prstGeom>
           <a:ln w="76200">
             <a:solidFill>
-              <a:srgbClr val="B8B800"/>
-            </a:solidFill>
-            <a:tailEnd type="triangle"/>
-          </a:ln>
-        </p:spPr>
-        <p:style>
-          <a:lnRef idx="1">
-            <a:schemeClr val="accent1"/>
-          </a:lnRef>
-          <a:fillRef idx="0">
-            <a:schemeClr val="accent1"/>
-          </a:fillRef>
-          <a:effectRef idx="0">
-            <a:schemeClr val="accent1"/>
-          </a:effectRef>
-          <a:fontRef idx="minor">
-            <a:schemeClr val="tx1"/>
-          </a:fontRef>
-        </p:style>
-      </p:cxnSp>
-      <p:sp>
-        <p:nvSpPr>
-          <p:cNvPr id="34" name="Rektangel 33"/>
-          <p:cNvSpPr/>
-          <p:nvPr/>
-        </p:nvSpPr>
-        <p:spPr>
-          <a:xfrm>
-            <a:off x="4405682" y="2779300"/>
-            <a:ext cx="1599265" cy="887306"/>
-          </a:xfrm>
-          <a:prstGeom prst="rect">
-            <a:avLst/>
-          </a:prstGeom>
-          <a:solidFill>
-            <a:schemeClr val="bg1">
-              <a:lumMod val="50000"/>
-            </a:schemeClr>
-          </a:solidFill>
-          <a:ln>
-            <a:solidFill>
-              <a:schemeClr val="accent6">
-                <a:lumMod val="75000"/>
-              </a:schemeClr>
-            </a:solidFill>
-          </a:ln>
-        </p:spPr>
-        <p:style>
-          <a:lnRef idx="2">
-            <a:schemeClr val="accent1">
-              <a:shade val="50000"/>
-            </a:schemeClr>
-          </a:lnRef>
-          <a:fillRef idx="1">
-            <a:schemeClr val="accent1"/>
-          </a:fillRef>
-          <a:effectRef idx="0">
-            <a:schemeClr val="accent1"/>
-          </a:effectRef>
-          <a:fontRef idx="minor">
-            <a:schemeClr val="lt1"/>
-          </a:fontRef>
-        </p:style>
-        <p:txBody>
-          <a:bodyPr rtlCol="0" anchor="ctr"/>
-          <a:lstStyle/>
-          <a:p>
-            <a:pPr algn="ctr"/>
-            <a:r>
-              <a:rPr lang="da-DK" sz="4800" smtClean="0"/>
-              <a:t>{…}</a:t>
-            </a:r>
-            <a:endParaRPr lang="da-DK" sz="4800"/>
-          </a:p>
-        </p:txBody>
-      </p:sp>
-      <p:cxnSp>
-        <p:nvCxnSpPr>
-          <p:cNvPr id="35" name="Lige pilforbindelse 34"/>
-          <p:cNvCxnSpPr>
-            <a:stCxn id="21" idx="2"/>
-          </p:cNvCxnSpPr>
-          <p:nvPr/>
-        </p:nvCxnSpPr>
-        <p:spPr>
-          <a:xfrm flipH="1">
-            <a:off x="1314029" y="3666606"/>
-            <a:ext cx="2" cy="688651"/>
-          </a:xfrm>
-          <a:prstGeom prst="straightConnector1">
-            <a:avLst/>
-          </a:prstGeom>
-          <a:ln w="76200">
-            <a:solidFill>
-              <a:schemeClr val="accent6">
-                <a:lumMod val="75000"/>
-              </a:schemeClr>
+              <a:srgbClr val="FF0000"/>
             </a:solidFill>
             <a:tailEnd type="triangle"/>
           </a:ln>
@@ -14826,459 +14396,14 @@
       </p:cxnSp>
       <p:cxnSp>
         <p:nvCxnSpPr>
-          <p:cNvPr id="37" name="Lige pilforbindelse 36"/>
-          <p:cNvCxnSpPr>
-            <a:stCxn id="26" idx="2"/>
-          </p:cNvCxnSpPr>
+          <p:cNvPr id="22" name="Vinklet forbindelse 21"/>
+          <p:cNvCxnSpPr/>
           <p:nvPr/>
         </p:nvCxnSpPr>
         <p:spPr>
-          <a:xfrm flipH="1">
-            <a:off x="3259672" y="3674534"/>
-            <a:ext cx="1" cy="648919"/>
-          </a:xfrm>
-          <a:prstGeom prst="straightConnector1">
-            <a:avLst/>
-          </a:prstGeom>
-          <a:ln w="76200">
-            <a:solidFill>
-              <a:srgbClr val="B8B800"/>
-            </a:solidFill>
-            <a:tailEnd type="triangle"/>
-          </a:ln>
-        </p:spPr>
-        <p:style>
-          <a:lnRef idx="1">
-            <a:schemeClr val="accent1"/>
-          </a:lnRef>
-          <a:fillRef idx="0">
-            <a:schemeClr val="accent1"/>
-          </a:fillRef>
-          <a:effectRef idx="0">
-            <a:schemeClr val="accent1"/>
-          </a:effectRef>
-          <a:fontRef idx="minor">
-            <a:schemeClr val="tx1"/>
-          </a:fontRef>
-        </p:style>
-      </p:cxnSp>
-      <p:cxnSp>
-        <p:nvCxnSpPr>
-          <p:cNvPr id="38" name="Lige pilforbindelse 37"/>
-          <p:cNvCxnSpPr>
-            <a:stCxn id="27" idx="2"/>
-          </p:cNvCxnSpPr>
-          <p:nvPr/>
-        </p:nvCxnSpPr>
-        <p:spPr>
-          <a:xfrm flipH="1">
-            <a:off x="7185577" y="3666606"/>
-            <a:ext cx="1" cy="656847"/>
-          </a:xfrm>
-          <a:prstGeom prst="straightConnector1">
-            <a:avLst/>
-          </a:prstGeom>
-          <a:ln w="76200">
-            <a:solidFill>
-              <a:srgbClr val="FF0000"/>
-            </a:solidFill>
-            <a:tailEnd type="triangle"/>
-          </a:ln>
-        </p:spPr>
-        <p:style>
-          <a:lnRef idx="1">
-            <a:schemeClr val="accent1"/>
-          </a:lnRef>
-          <a:fillRef idx="0">
-            <a:schemeClr val="accent1"/>
-          </a:fillRef>
-          <a:effectRef idx="0">
-            <a:schemeClr val="accent1"/>
-          </a:effectRef>
-          <a:fontRef idx="minor">
-            <a:schemeClr val="tx1"/>
-          </a:fontRef>
-        </p:style>
-      </p:cxnSp>
-      <p:cxnSp>
-        <p:nvCxnSpPr>
-          <p:cNvPr id="39" name="Lige pilforbindelse 38"/>
-          <p:cNvCxnSpPr>
-            <a:stCxn id="34" idx="2"/>
-          </p:cNvCxnSpPr>
-          <p:nvPr/>
-        </p:nvCxnSpPr>
-        <p:spPr>
-          <a:xfrm>
-            <a:off x="5205315" y="3666606"/>
-            <a:ext cx="0" cy="670151"/>
-          </a:xfrm>
-          <a:prstGeom prst="straightConnector1">
-            <a:avLst/>
-          </a:prstGeom>
-          <a:ln w="76200">
-            <a:solidFill>
-              <a:schemeClr val="bg1">
-                <a:lumMod val="50000"/>
-              </a:schemeClr>
-            </a:solidFill>
-            <a:tailEnd type="triangle"/>
-          </a:ln>
-        </p:spPr>
-        <p:style>
-          <a:lnRef idx="1">
-            <a:schemeClr val="accent1"/>
-          </a:lnRef>
-          <a:fillRef idx="0">
-            <a:schemeClr val="accent1"/>
-          </a:fillRef>
-          <a:effectRef idx="0">
-            <a:schemeClr val="accent1"/>
-          </a:effectRef>
-          <a:fontRef idx="minor">
-            <a:schemeClr val="tx1"/>
-          </a:fontRef>
-        </p:style>
-      </p:cxnSp>
-      <p:cxnSp>
-        <p:nvCxnSpPr>
-          <p:cNvPr id="40" name="Lige pilforbindelse 39"/>
-          <p:cNvCxnSpPr>
-            <a:endCxn id="34" idx="0"/>
-          </p:cNvCxnSpPr>
-          <p:nvPr/>
-        </p:nvCxnSpPr>
-        <p:spPr>
-          <a:xfrm>
-            <a:off x="5205314" y="2138309"/>
-            <a:ext cx="1" cy="640991"/>
-          </a:xfrm>
-          <a:prstGeom prst="straightConnector1">
-            <a:avLst/>
-          </a:prstGeom>
-          <a:ln w="76200">
-            <a:solidFill>
-              <a:schemeClr val="bg1">
-                <a:lumMod val="50000"/>
-              </a:schemeClr>
-            </a:solidFill>
-            <a:tailEnd type="triangle"/>
-          </a:ln>
-        </p:spPr>
-        <p:style>
-          <a:lnRef idx="1">
-            <a:schemeClr val="accent1"/>
-          </a:lnRef>
-          <a:fillRef idx="0">
-            <a:schemeClr val="accent1"/>
-          </a:fillRef>
-          <a:effectRef idx="0">
-            <a:schemeClr val="accent1"/>
-          </a:effectRef>
-          <a:fontRef idx="minor">
-            <a:schemeClr val="tx1"/>
-          </a:fontRef>
-        </p:style>
-      </p:cxnSp>
-      <p:cxnSp>
-        <p:nvCxnSpPr>
-          <p:cNvPr id="43" name="Lige pilforbindelse 42"/>
-          <p:cNvCxnSpPr>
-            <a:endCxn id="13" idx="0"/>
-          </p:cNvCxnSpPr>
-          <p:nvPr/>
-        </p:nvCxnSpPr>
-        <p:spPr>
-          <a:xfrm>
-            <a:off x="1314030" y="472530"/>
-            <a:ext cx="0" cy="585779"/>
-          </a:xfrm>
-          <a:prstGeom prst="straightConnector1">
-            <a:avLst/>
-          </a:prstGeom>
-          <a:ln w="76200">
-            <a:solidFill>
-              <a:schemeClr val="tx1">
-                <a:lumMod val="95000"/>
-                <a:lumOff val="5000"/>
-              </a:schemeClr>
-            </a:solidFill>
-            <a:tailEnd type="triangle"/>
-          </a:ln>
-        </p:spPr>
-        <p:style>
-          <a:lnRef idx="1">
-            <a:schemeClr val="accent1"/>
-          </a:lnRef>
-          <a:fillRef idx="0">
-            <a:schemeClr val="accent1"/>
-          </a:fillRef>
-          <a:effectRef idx="0">
-            <a:schemeClr val="accent1"/>
-          </a:effectRef>
-          <a:fontRef idx="minor">
-            <a:schemeClr val="tx1"/>
-          </a:fontRef>
-        </p:style>
-      </p:cxnSp>
-      <p:cxnSp>
-        <p:nvCxnSpPr>
-          <p:cNvPr id="45" name="Lige pilforbindelse 44"/>
-          <p:cNvCxnSpPr>
-            <a:stCxn id="30" idx="3"/>
-            <a:endCxn id="31" idx="1"/>
-          </p:cNvCxnSpPr>
-          <p:nvPr/>
-        </p:nvCxnSpPr>
-        <p:spPr>
-          <a:xfrm>
-            <a:off x="3799672" y="1598309"/>
-            <a:ext cx="865642" cy="0"/>
-          </a:xfrm>
-          <a:prstGeom prst="straightConnector1">
-            <a:avLst/>
-          </a:prstGeom>
-          <a:ln w="76200">
-            <a:solidFill>
-              <a:srgbClr val="FF0000"/>
-            </a:solidFill>
-            <a:tailEnd type="triangle"/>
-          </a:ln>
-        </p:spPr>
-        <p:style>
-          <a:lnRef idx="1">
-            <a:schemeClr val="accent1"/>
-          </a:lnRef>
-          <a:fillRef idx="0">
-            <a:schemeClr val="accent1"/>
-          </a:fillRef>
-          <a:effectRef idx="0">
-            <a:schemeClr val="accent1"/>
-          </a:effectRef>
-          <a:fontRef idx="minor">
-            <a:schemeClr val="tx1"/>
-          </a:fontRef>
-        </p:style>
-      </p:cxnSp>
-      <p:cxnSp>
-        <p:nvCxnSpPr>
-          <p:cNvPr id="58" name="Lige pilforbindelse 57"/>
-          <p:cNvCxnSpPr/>
-          <p:nvPr/>
-        </p:nvCxnSpPr>
-        <p:spPr>
-          <a:xfrm>
-            <a:off x="1259840" y="4355257"/>
-            <a:ext cx="5974080" cy="0"/>
-          </a:xfrm>
-          <a:prstGeom prst="straightConnector1">
-            <a:avLst/>
-          </a:prstGeom>
-          <a:ln w="76200">
-            <a:solidFill>
-              <a:schemeClr val="tx1"/>
-            </a:solidFill>
-            <a:tailEnd type="none"/>
-          </a:ln>
-        </p:spPr>
-        <p:style>
-          <a:lnRef idx="1">
-            <a:schemeClr val="accent1"/>
-          </a:lnRef>
-          <a:fillRef idx="0">
-            <a:schemeClr val="accent1"/>
-          </a:fillRef>
-          <a:effectRef idx="0">
-            <a:schemeClr val="accent1"/>
-          </a:effectRef>
-          <a:fontRef idx="minor">
-            <a:schemeClr val="tx1"/>
-          </a:fontRef>
-        </p:style>
-      </p:cxnSp>
-      <p:cxnSp>
-        <p:nvCxnSpPr>
-          <p:cNvPr id="66" name="Lige pilforbindelse 65"/>
-          <p:cNvCxnSpPr/>
-          <p:nvPr/>
-        </p:nvCxnSpPr>
-        <p:spPr>
-          <a:xfrm>
-            <a:off x="4246880" y="4355257"/>
-            <a:ext cx="0" cy="927943"/>
-          </a:xfrm>
-          <a:prstGeom prst="straightConnector1">
-            <a:avLst/>
-          </a:prstGeom>
-          <a:ln w="76200">
-            <a:solidFill>
-              <a:schemeClr val="tx1">
-                <a:lumMod val="95000"/>
-                <a:lumOff val="5000"/>
-              </a:schemeClr>
-            </a:solidFill>
-            <a:tailEnd type="triangle"/>
-          </a:ln>
-        </p:spPr>
-        <p:style>
-          <a:lnRef idx="1">
-            <a:schemeClr val="accent1"/>
-          </a:lnRef>
-          <a:fillRef idx="0">
-            <a:schemeClr val="accent1"/>
-          </a:fillRef>
-          <a:effectRef idx="0">
-            <a:schemeClr val="accent1"/>
-          </a:effectRef>
-          <a:fontRef idx="minor">
-            <a:schemeClr val="tx1"/>
-          </a:fontRef>
-        </p:style>
-      </p:cxnSp>
-      <p:sp>
-        <p:nvSpPr>
-          <p:cNvPr id="68" name="Forbindelse 67"/>
-          <p:cNvSpPr/>
-          <p:nvPr/>
-        </p:nvSpPr>
-        <p:spPr>
-          <a:xfrm>
-            <a:off x="9526611" y="2613437"/>
-            <a:ext cx="360000" cy="360000"/>
-          </a:xfrm>
-          <a:prstGeom prst="flowChartConnector">
-            <a:avLst/>
-          </a:prstGeom>
-          <a:solidFill>
-            <a:srgbClr val="B8B800"/>
-          </a:solidFill>
-        </p:spPr>
-        <p:style>
-          <a:lnRef idx="2">
-            <a:schemeClr val="accent1">
-              <a:shade val="50000"/>
-            </a:schemeClr>
-          </a:lnRef>
-          <a:fillRef idx="1">
-            <a:schemeClr val="accent1"/>
-          </a:fillRef>
-          <a:effectRef idx="0">
-            <a:schemeClr val="accent1"/>
-          </a:effectRef>
-          <a:fontRef idx="minor">
-            <a:schemeClr val="lt1"/>
-          </a:fontRef>
-        </p:style>
-        <p:txBody>
-          <a:bodyPr rtlCol="0" anchor="ctr"/>
-          <a:lstStyle/>
-          <a:p>
-            <a:pPr algn="ctr"/>
-            <a:endParaRPr lang="da-DK"/>
-          </a:p>
-        </p:txBody>
-      </p:sp>
-      <p:sp>
-        <p:nvSpPr>
-          <p:cNvPr id="69" name="Forbindelse 68"/>
-          <p:cNvSpPr/>
-          <p:nvPr/>
-        </p:nvSpPr>
-        <p:spPr>
-          <a:xfrm>
-            <a:off x="9526611" y="3740947"/>
-            <a:ext cx="360000" cy="360000"/>
-          </a:xfrm>
-          <a:prstGeom prst="flowChartConnector">
-            <a:avLst/>
-          </a:prstGeom>
-          <a:solidFill>
-            <a:schemeClr val="bg1">
-              <a:lumMod val="50000"/>
-            </a:schemeClr>
-          </a:solidFill>
-        </p:spPr>
-        <p:style>
-          <a:lnRef idx="2">
-            <a:schemeClr val="accent1">
-              <a:shade val="50000"/>
-            </a:schemeClr>
-          </a:lnRef>
-          <a:fillRef idx="1">
-            <a:schemeClr val="accent1"/>
-          </a:fillRef>
-          <a:effectRef idx="0">
-            <a:schemeClr val="accent1"/>
-          </a:effectRef>
-          <a:fontRef idx="minor">
-            <a:schemeClr val="lt1"/>
-          </a:fontRef>
-        </p:style>
-        <p:txBody>
-          <a:bodyPr rtlCol="0" anchor="ctr"/>
-          <a:lstStyle/>
-          <a:p>
-            <a:pPr algn="ctr"/>
-            <a:endParaRPr lang="da-DK"/>
-          </a:p>
-        </p:txBody>
-      </p:sp>
-      <p:sp>
-        <p:nvSpPr>
-          <p:cNvPr id="70" name="Forbindelse 69"/>
-          <p:cNvSpPr/>
-          <p:nvPr/>
-        </p:nvSpPr>
-        <p:spPr>
-          <a:xfrm>
-            <a:off x="9526611" y="4804611"/>
-            <a:ext cx="360000" cy="360000"/>
-          </a:xfrm>
-          <a:prstGeom prst="flowChartConnector">
-            <a:avLst/>
-          </a:prstGeom>
-          <a:solidFill>
-            <a:srgbClr val="FF0000"/>
-          </a:solidFill>
-        </p:spPr>
-        <p:style>
-          <a:lnRef idx="2">
-            <a:schemeClr val="accent1">
-              <a:shade val="50000"/>
-            </a:schemeClr>
-          </a:lnRef>
-          <a:fillRef idx="1">
-            <a:schemeClr val="accent1"/>
-          </a:fillRef>
-          <a:effectRef idx="0">
-            <a:schemeClr val="accent1"/>
-          </a:effectRef>
-          <a:fontRef idx="minor">
-            <a:schemeClr val="lt1"/>
-          </a:fontRef>
-        </p:style>
-        <p:txBody>
-          <a:bodyPr rtlCol="0" anchor="ctr"/>
-          <a:lstStyle/>
-          <a:p>
-            <a:pPr algn="ctr"/>
-            <a:endParaRPr lang="da-DK"/>
-          </a:p>
-        </p:txBody>
-      </p:sp>
-      <p:cxnSp>
-        <p:nvCxnSpPr>
-          <p:cNvPr id="71" name="Vinklet forbindelse 70"/>
-          <p:cNvCxnSpPr>
-            <a:stCxn id="31" idx="3"/>
-            <a:endCxn id="27" idx="0"/>
-          </p:cNvCxnSpPr>
-          <p:nvPr/>
-        </p:nvCxnSpPr>
-        <p:spPr>
-          <a:xfrm>
-            <a:off x="5745314" y="1598309"/>
-            <a:ext cx="1440264" cy="1180991"/>
+          <a:xfrm rot="5400000">
+            <a:off x="3764948" y="3467059"/>
+            <a:ext cx="539770" cy="1954869"/>
           </a:xfrm>
           <a:prstGeom prst="bentConnector2">
             <a:avLst/>
@@ -15308,7 +14433,7 @@
     </p:spTree>
     <p:extLst>
       <p:ext uri="{BB962C8B-B14F-4D97-AF65-F5344CB8AC3E}">
-        <p14:creationId xmlns:p14="http://schemas.microsoft.com/office/powerpoint/2010/main" val="2821068773"/>
+        <p14:creationId xmlns:p14="http://schemas.microsoft.com/office/powerpoint/2010/main" val="1476086969"/>
       </p:ext>
     </p:extLst>
   </p:cSld>
@@ -15342,6 +14467,1285 @@
           <a:chExt cx="0" cy="0"/>
         </a:xfrm>
       </p:grpSpPr>
+      <p:sp>
+        <p:nvSpPr>
+          <p:cNvPr id="5" name="Rombe 4"/>
+          <p:cNvSpPr/>
+          <p:nvPr/>
+        </p:nvSpPr>
+        <p:spPr>
+          <a:xfrm>
+            <a:off x="2525696" y="1667531"/>
+            <a:ext cx="1080000" cy="1080000"/>
+          </a:xfrm>
+          <a:prstGeom prst="diamond">
+            <a:avLst/>
+          </a:prstGeom>
+        </p:spPr>
+        <p:style>
+          <a:lnRef idx="2">
+            <a:schemeClr val="accent1">
+              <a:shade val="50000"/>
+            </a:schemeClr>
+          </a:lnRef>
+          <a:fillRef idx="1">
+            <a:schemeClr val="accent1"/>
+          </a:fillRef>
+          <a:effectRef idx="0">
+            <a:schemeClr val="accent1"/>
+          </a:effectRef>
+          <a:fontRef idx="minor">
+            <a:schemeClr val="lt1"/>
+          </a:fontRef>
+        </p:style>
+        <p:txBody>
+          <a:bodyPr rtlCol="0" anchor="ctr"/>
+          <a:lstStyle/>
+          <a:p>
+            <a:pPr algn="ctr"/>
+            <a:r>
+              <a:rPr lang="da-DK" sz="4800" smtClean="0"/>
+              <a:t>?</a:t>
+            </a:r>
+            <a:endParaRPr lang="da-DK" sz="4800"/>
+          </a:p>
+        </p:txBody>
+      </p:sp>
+      <p:cxnSp>
+        <p:nvCxnSpPr>
+          <p:cNvPr id="10" name="Lige pilforbindelse 9"/>
+          <p:cNvCxnSpPr>
+            <a:endCxn id="5" idx="0"/>
+          </p:cNvCxnSpPr>
+          <p:nvPr/>
+        </p:nvCxnSpPr>
+        <p:spPr>
+          <a:xfrm>
+            <a:off x="3061547" y="684107"/>
+            <a:ext cx="4149" cy="983424"/>
+          </a:xfrm>
+          <a:prstGeom prst="straightConnector1">
+            <a:avLst/>
+          </a:prstGeom>
+          <a:ln w="76200">
+            <a:solidFill>
+              <a:schemeClr val="tx1">
+                <a:lumMod val="95000"/>
+                <a:lumOff val="5000"/>
+              </a:schemeClr>
+            </a:solidFill>
+            <a:tailEnd type="triangle"/>
+          </a:ln>
+        </p:spPr>
+        <p:style>
+          <a:lnRef idx="1">
+            <a:schemeClr val="accent1"/>
+          </a:lnRef>
+          <a:fillRef idx="0">
+            <a:schemeClr val="accent1"/>
+          </a:fillRef>
+          <a:effectRef idx="0">
+            <a:schemeClr val="accent1"/>
+          </a:effectRef>
+          <a:fontRef idx="minor">
+            <a:schemeClr val="tx1"/>
+          </a:fontRef>
+        </p:style>
+      </p:cxnSp>
+      <p:cxnSp>
+        <p:nvCxnSpPr>
+          <p:cNvPr id="16" name="Lige pilforbindelse 15"/>
+          <p:cNvCxnSpPr>
+            <a:endCxn id="18" idx="0"/>
+          </p:cNvCxnSpPr>
+          <p:nvPr/>
+        </p:nvCxnSpPr>
+        <p:spPr>
+          <a:xfrm>
+            <a:off x="3061547" y="2747531"/>
+            <a:ext cx="0" cy="539771"/>
+          </a:xfrm>
+          <a:prstGeom prst="straightConnector1">
+            <a:avLst/>
+          </a:prstGeom>
+          <a:ln w="76200">
+            <a:solidFill>
+              <a:schemeClr val="accent6">
+                <a:lumMod val="75000"/>
+              </a:schemeClr>
+            </a:solidFill>
+            <a:tailEnd type="triangle"/>
+          </a:ln>
+        </p:spPr>
+        <p:style>
+          <a:lnRef idx="1">
+            <a:schemeClr val="accent1"/>
+          </a:lnRef>
+          <a:fillRef idx="0">
+            <a:schemeClr val="accent1"/>
+          </a:fillRef>
+          <a:effectRef idx="0">
+            <a:schemeClr val="accent1"/>
+          </a:effectRef>
+          <a:fontRef idx="minor">
+            <a:schemeClr val="tx1"/>
+          </a:fontRef>
+        </p:style>
+      </p:cxnSp>
+      <p:sp>
+        <p:nvSpPr>
+          <p:cNvPr id="18" name="Rektangel 17"/>
+          <p:cNvSpPr/>
+          <p:nvPr/>
+        </p:nvSpPr>
+        <p:spPr>
+          <a:xfrm>
+            <a:off x="2261914" y="3287302"/>
+            <a:ext cx="1599265" cy="887306"/>
+          </a:xfrm>
+          <a:prstGeom prst="rect">
+            <a:avLst/>
+          </a:prstGeom>
+          <a:solidFill>
+            <a:schemeClr val="accent6">
+              <a:lumMod val="75000"/>
+            </a:schemeClr>
+          </a:solidFill>
+          <a:ln>
+            <a:solidFill>
+              <a:schemeClr val="accent6">
+                <a:lumMod val="75000"/>
+              </a:schemeClr>
+            </a:solidFill>
+          </a:ln>
+        </p:spPr>
+        <p:style>
+          <a:lnRef idx="2">
+            <a:schemeClr val="accent1">
+              <a:shade val="50000"/>
+            </a:schemeClr>
+          </a:lnRef>
+          <a:fillRef idx="1">
+            <a:schemeClr val="accent1"/>
+          </a:fillRef>
+          <a:effectRef idx="0">
+            <a:schemeClr val="accent1"/>
+          </a:effectRef>
+          <a:fontRef idx="minor">
+            <a:schemeClr val="lt1"/>
+          </a:fontRef>
+        </p:style>
+        <p:txBody>
+          <a:bodyPr rtlCol="0" anchor="ctr"/>
+          <a:lstStyle/>
+          <a:p>
+            <a:pPr algn="ctr"/>
+            <a:r>
+              <a:rPr lang="da-DK" sz="4800" smtClean="0"/>
+              <a:t>{…}</a:t>
+            </a:r>
+            <a:endParaRPr lang="da-DK" sz="4800"/>
+          </a:p>
+        </p:txBody>
+      </p:sp>
+      <p:cxnSp>
+        <p:nvCxnSpPr>
+          <p:cNvPr id="20" name="Lige pilforbindelse 19"/>
+          <p:cNvCxnSpPr>
+            <a:stCxn id="18" idx="2"/>
+          </p:cNvCxnSpPr>
+          <p:nvPr/>
+        </p:nvCxnSpPr>
+        <p:spPr>
+          <a:xfrm flipH="1">
+            <a:off x="3061545" y="4174608"/>
+            <a:ext cx="2" cy="539771"/>
+          </a:xfrm>
+          <a:prstGeom prst="straightConnector1">
+            <a:avLst/>
+          </a:prstGeom>
+          <a:ln w="76200">
+            <a:solidFill>
+              <a:schemeClr val="accent6">
+                <a:lumMod val="75000"/>
+              </a:schemeClr>
+            </a:solidFill>
+            <a:tailEnd type="none"/>
+          </a:ln>
+        </p:spPr>
+        <p:style>
+          <a:lnRef idx="1">
+            <a:schemeClr val="accent1"/>
+          </a:lnRef>
+          <a:fillRef idx="0">
+            <a:schemeClr val="accent1"/>
+          </a:fillRef>
+          <a:effectRef idx="0">
+            <a:schemeClr val="accent1"/>
+          </a:effectRef>
+          <a:fontRef idx="minor">
+            <a:schemeClr val="tx1"/>
+          </a:fontRef>
+        </p:style>
+      </p:cxnSp>
+      <p:cxnSp>
+        <p:nvCxnSpPr>
+          <p:cNvPr id="36" name="Lige pilforbindelse 35"/>
+          <p:cNvCxnSpPr/>
+          <p:nvPr/>
+        </p:nvCxnSpPr>
+        <p:spPr>
+          <a:xfrm>
+            <a:off x="3061545" y="4714379"/>
+            <a:ext cx="4149" cy="983424"/>
+          </a:xfrm>
+          <a:prstGeom prst="straightConnector1">
+            <a:avLst/>
+          </a:prstGeom>
+          <a:ln w="76200">
+            <a:solidFill>
+              <a:schemeClr val="tx1">
+                <a:lumMod val="95000"/>
+                <a:lumOff val="5000"/>
+              </a:schemeClr>
+            </a:solidFill>
+            <a:tailEnd type="triangle"/>
+          </a:ln>
+        </p:spPr>
+        <p:style>
+          <a:lnRef idx="1">
+            <a:schemeClr val="accent1"/>
+          </a:lnRef>
+          <a:fillRef idx="0">
+            <a:schemeClr val="accent1"/>
+          </a:fillRef>
+          <a:effectRef idx="0">
+            <a:schemeClr val="accent1"/>
+          </a:effectRef>
+          <a:fontRef idx="minor">
+            <a:schemeClr val="tx1"/>
+          </a:fontRef>
+        </p:style>
+      </p:cxnSp>
+      <p:sp>
+        <p:nvSpPr>
+          <p:cNvPr id="14" name="Rektangel 13"/>
+          <p:cNvSpPr/>
+          <p:nvPr/>
+        </p:nvSpPr>
+        <p:spPr>
+          <a:xfrm>
+            <a:off x="4212634" y="3287302"/>
+            <a:ext cx="1599265" cy="887306"/>
+          </a:xfrm>
+          <a:prstGeom prst="rect">
+            <a:avLst/>
+          </a:prstGeom>
+          <a:solidFill>
+            <a:srgbClr val="FF0000"/>
+          </a:solidFill>
+          <a:ln>
+            <a:solidFill>
+              <a:schemeClr val="accent6">
+                <a:lumMod val="75000"/>
+              </a:schemeClr>
+            </a:solidFill>
+          </a:ln>
+        </p:spPr>
+        <p:style>
+          <a:lnRef idx="2">
+            <a:schemeClr val="accent1">
+              <a:shade val="50000"/>
+            </a:schemeClr>
+          </a:lnRef>
+          <a:fillRef idx="1">
+            <a:schemeClr val="accent1"/>
+          </a:fillRef>
+          <a:effectRef idx="0">
+            <a:schemeClr val="accent1"/>
+          </a:effectRef>
+          <a:fontRef idx="minor">
+            <a:schemeClr val="lt1"/>
+          </a:fontRef>
+        </p:style>
+        <p:txBody>
+          <a:bodyPr rtlCol="0" anchor="ctr"/>
+          <a:lstStyle/>
+          <a:p>
+            <a:pPr algn="ctr"/>
+            <a:r>
+              <a:rPr lang="da-DK" sz="4800" smtClean="0"/>
+              <a:t>{…}</a:t>
+            </a:r>
+            <a:endParaRPr lang="da-DK" sz="4800"/>
+          </a:p>
+        </p:txBody>
+      </p:sp>
+      <p:sp>
+        <p:nvSpPr>
+          <p:cNvPr id="13" name="Tekstfelt 12"/>
+          <p:cNvSpPr txBox="1"/>
+          <p:nvPr/>
+        </p:nvSpPr>
+        <p:spPr>
+          <a:xfrm>
+            <a:off x="6515947" y="927635"/>
+            <a:ext cx="5052906" cy="3970318"/>
+          </a:xfrm>
+          <a:prstGeom prst="rect">
+            <a:avLst/>
+          </a:prstGeom>
+          <a:noFill/>
+        </p:spPr>
+        <p:txBody>
+          <a:bodyPr wrap="square" rtlCol="0">
+            <a:spAutoFit/>
+          </a:bodyPr>
+          <a:lstStyle/>
+          <a:p>
+            <a:r>
+              <a:rPr lang="da-DK" sz="2800" b="1" smtClean="0">
+                <a:solidFill>
+                  <a:srgbClr val="0070C0"/>
+                </a:solidFill>
+                <a:latin typeface="Consolas" panose="020B0609020204030204" pitchFamily="49" charset="0"/>
+              </a:rPr>
+              <a:t>int </a:t>
+            </a:r>
+            <a:r>
+              <a:rPr lang="da-DK" sz="2800" b="1" smtClean="0">
+                <a:latin typeface="Consolas" panose="020B0609020204030204" pitchFamily="49" charset="0"/>
+              </a:rPr>
+              <a:t>discount;</a:t>
+            </a:r>
+          </a:p>
+          <a:p>
+            <a:r>
+              <a:rPr lang="da-DK" sz="2800" b="1" smtClean="0">
+                <a:solidFill>
+                  <a:srgbClr val="0070C0"/>
+                </a:solidFill>
+                <a:latin typeface="Consolas" panose="020B0609020204030204" pitchFamily="49" charset="0"/>
+              </a:rPr>
+              <a:t>if</a:t>
+            </a:r>
+            <a:r>
+              <a:rPr lang="da-DK" sz="2800" b="1" smtClean="0">
+                <a:latin typeface="Consolas" panose="020B0609020204030204" pitchFamily="49" charset="0"/>
+              </a:rPr>
+              <a:t> (noOfItems &lt; 10)</a:t>
+            </a:r>
+            <a:endParaRPr lang="da-DK" sz="2800" b="1" smtClean="0">
+              <a:latin typeface="Consolas" panose="020B0609020204030204" pitchFamily="49" charset="0"/>
+            </a:endParaRPr>
+          </a:p>
+          <a:p>
+            <a:r>
+              <a:rPr lang="da-DK" sz="2800" b="1" smtClean="0">
+                <a:latin typeface="Consolas" panose="020B0609020204030204" pitchFamily="49" charset="0"/>
+              </a:rPr>
+              <a:t>{</a:t>
+            </a:r>
+          </a:p>
+          <a:p>
+            <a:r>
+              <a:rPr lang="da-DK" sz="2800" b="1">
+                <a:latin typeface="Consolas" panose="020B0609020204030204" pitchFamily="49" charset="0"/>
+              </a:rPr>
+              <a:t> </a:t>
+            </a:r>
+            <a:r>
+              <a:rPr lang="da-DK" sz="2800" b="1" smtClean="0">
+                <a:latin typeface="Consolas" panose="020B0609020204030204" pitchFamily="49" charset="0"/>
+              </a:rPr>
+              <a:t>  discount = 0;</a:t>
+            </a:r>
+            <a:endParaRPr lang="da-DK" sz="2800" b="1" smtClean="0">
+              <a:latin typeface="Consolas" panose="020B0609020204030204" pitchFamily="49" charset="0"/>
+            </a:endParaRPr>
+          </a:p>
+          <a:p>
+            <a:r>
+              <a:rPr lang="da-DK" sz="2800" b="1" smtClean="0">
+                <a:latin typeface="Consolas" panose="020B0609020204030204" pitchFamily="49" charset="0"/>
+              </a:rPr>
+              <a:t>}</a:t>
+            </a:r>
+          </a:p>
+          <a:p>
+            <a:r>
+              <a:rPr lang="da-DK" sz="2800" b="1">
+                <a:solidFill>
+                  <a:srgbClr val="0070C0"/>
+                </a:solidFill>
+                <a:latin typeface="Consolas" panose="020B0609020204030204" pitchFamily="49" charset="0"/>
+              </a:rPr>
+              <a:t>else</a:t>
+            </a:r>
+          </a:p>
+          <a:p>
+            <a:r>
+              <a:rPr lang="da-DK" sz="2800" b="1" smtClean="0">
+                <a:latin typeface="Consolas" panose="020B0609020204030204" pitchFamily="49" charset="0"/>
+              </a:rPr>
+              <a:t>{</a:t>
+            </a:r>
+          </a:p>
+          <a:p>
+            <a:r>
+              <a:rPr lang="da-DK" sz="2800" b="1">
+                <a:latin typeface="Consolas" panose="020B0609020204030204" pitchFamily="49" charset="0"/>
+              </a:rPr>
+              <a:t> </a:t>
+            </a:r>
+            <a:r>
+              <a:rPr lang="da-DK" sz="2800" b="1" smtClean="0">
+                <a:latin typeface="Consolas" panose="020B0609020204030204" pitchFamily="49" charset="0"/>
+              </a:rPr>
+              <a:t>  discount </a:t>
+            </a:r>
+            <a:r>
+              <a:rPr lang="da-DK" sz="2800" b="1">
+                <a:latin typeface="Consolas" panose="020B0609020204030204" pitchFamily="49" charset="0"/>
+              </a:rPr>
+              <a:t>= </a:t>
+            </a:r>
+            <a:r>
+              <a:rPr lang="da-DK" sz="2800" b="1" smtClean="0">
+                <a:latin typeface="Consolas" panose="020B0609020204030204" pitchFamily="49" charset="0"/>
+              </a:rPr>
+              <a:t>10</a:t>
+            </a:r>
+            <a:r>
+              <a:rPr lang="da-DK" sz="2800" b="1">
+                <a:latin typeface="Consolas" panose="020B0609020204030204" pitchFamily="49" charset="0"/>
+              </a:rPr>
+              <a:t>;</a:t>
+            </a:r>
+            <a:endParaRPr lang="da-DK" sz="2800" b="1">
+              <a:solidFill>
+                <a:srgbClr val="FF0000"/>
+              </a:solidFill>
+              <a:latin typeface="Consolas" panose="020B0609020204030204" pitchFamily="49" charset="0"/>
+            </a:endParaRPr>
+          </a:p>
+          <a:p>
+            <a:r>
+              <a:rPr lang="da-DK" sz="2800" b="1">
+                <a:latin typeface="Consolas" panose="020B0609020204030204" pitchFamily="49" charset="0"/>
+              </a:rPr>
+              <a:t>}</a:t>
+            </a:r>
+          </a:p>
+        </p:txBody>
+      </p:sp>
+      <p:sp>
+        <p:nvSpPr>
+          <p:cNvPr id="15" name="Forbindelse 14"/>
+          <p:cNvSpPr/>
+          <p:nvPr/>
+        </p:nvSpPr>
+        <p:spPr>
+          <a:xfrm>
+            <a:off x="10083576" y="2263038"/>
+            <a:ext cx="457200" cy="457200"/>
+          </a:xfrm>
+          <a:prstGeom prst="flowChartConnector">
+            <a:avLst/>
+          </a:prstGeom>
+          <a:solidFill>
+            <a:schemeClr val="accent6">
+              <a:lumMod val="75000"/>
+            </a:schemeClr>
+          </a:solidFill>
+        </p:spPr>
+        <p:style>
+          <a:lnRef idx="2">
+            <a:schemeClr val="accent1">
+              <a:shade val="50000"/>
+            </a:schemeClr>
+          </a:lnRef>
+          <a:fillRef idx="1">
+            <a:schemeClr val="accent1"/>
+          </a:fillRef>
+          <a:effectRef idx="0">
+            <a:schemeClr val="accent1"/>
+          </a:effectRef>
+          <a:fontRef idx="minor">
+            <a:schemeClr val="lt1"/>
+          </a:fontRef>
+        </p:style>
+        <p:txBody>
+          <a:bodyPr rtlCol="0" anchor="ctr"/>
+          <a:lstStyle/>
+          <a:p>
+            <a:pPr algn="ctr"/>
+            <a:endParaRPr lang="da-DK"/>
+          </a:p>
+        </p:txBody>
+      </p:sp>
+      <p:sp>
+        <p:nvSpPr>
+          <p:cNvPr id="17" name="Forbindelse 16"/>
+          <p:cNvSpPr/>
+          <p:nvPr/>
+        </p:nvSpPr>
+        <p:spPr>
+          <a:xfrm>
+            <a:off x="10083576" y="3980492"/>
+            <a:ext cx="457200" cy="457200"/>
+          </a:xfrm>
+          <a:prstGeom prst="flowChartConnector">
+            <a:avLst/>
+          </a:prstGeom>
+          <a:solidFill>
+            <a:srgbClr val="FF0000"/>
+          </a:solidFill>
+        </p:spPr>
+        <p:style>
+          <a:lnRef idx="2">
+            <a:schemeClr val="accent1">
+              <a:shade val="50000"/>
+            </a:schemeClr>
+          </a:lnRef>
+          <a:fillRef idx="1">
+            <a:schemeClr val="accent1"/>
+          </a:fillRef>
+          <a:effectRef idx="0">
+            <a:schemeClr val="accent1"/>
+          </a:effectRef>
+          <a:fontRef idx="minor">
+            <a:schemeClr val="lt1"/>
+          </a:fontRef>
+        </p:style>
+        <p:txBody>
+          <a:bodyPr rtlCol="0" anchor="ctr"/>
+          <a:lstStyle/>
+          <a:p>
+            <a:pPr algn="ctr"/>
+            <a:endParaRPr lang="da-DK"/>
+          </a:p>
+        </p:txBody>
+      </p:sp>
+      <p:cxnSp>
+        <p:nvCxnSpPr>
+          <p:cNvPr id="19" name="Vinklet forbindelse 18"/>
+          <p:cNvCxnSpPr/>
+          <p:nvPr/>
+        </p:nvCxnSpPr>
+        <p:spPr>
+          <a:xfrm>
+            <a:off x="3605696" y="2207531"/>
+            <a:ext cx="1406571" cy="1079771"/>
+          </a:xfrm>
+          <a:prstGeom prst="bentConnector2">
+            <a:avLst/>
+          </a:prstGeom>
+          <a:ln w="76200">
+            <a:solidFill>
+              <a:srgbClr val="FF0000"/>
+            </a:solidFill>
+            <a:tailEnd type="triangle"/>
+          </a:ln>
+        </p:spPr>
+        <p:style>
+          <a:lnRef idx="1">
+            <a:schemeClr val="accent1"/>
+          </a:lnRef>
+          <a:fillRef idx="0">
+            <a:schemeClr val="accent1"/>
+          </a:fillRef>
+          <a:effectRef idx="0">
+            <a:schemeClr val="accent1"/>
+          </a:effectRef>
+          <a:fontRef idx="minor">
+            <a:schemeClr val="tx1"/>
+          </a:fontRef>
+        </p:style>
+      </p:cxnSp>
+      <p:cxnSp>
+        <p:nvCxnSpPr>
+          <p:cNvPr id="22" name="Vinklet forbindelse 21"/>
+          <p:cNvCxnSpPr/>
+          <p:nvPr/>
+        </p:nvCxnSpPr>
+        <p:spPr>
+          <a:xfrm rot="5400000">
+            <a:off x="3764948" y="3467059"/>
+            <a:ext cx="539770" cy="1954869"/>
+          </a:xfrm>
+          <a:prstGeom prst="bentConnector2">
+            <a:avLst/>
+          </a:prstGeom>
+          <a:ln w="76200">
+            <a:solidFill>
+              <a:srgbClr val="FF0000"/>
+            </a:solidFill>
+            <a:tailEnd type="triangle"/>
+          </a:ln>
+        </p:spPr>
+        <p:style>
+          <a:lnRef idx="1">
+            <a:schemeClr val="accent1"/>
+          </a:lnRef>
+          <a:fillRef idx="0">
+            <a:schemeClr val="accent1"/>
+          </a:fillRef>
+          <a:effectRef idx="0">
+            <a:schemeClr val="accent1"/>
+          </a:effectRef>
+          <a:fontRef idx="minor">
+            <a:schemeClr val="tx1"/>
+          </a:fontRef>
+        </p:style>
+      </p:cxnSp>
+    </p:spTree>
+    <p:extLst>
+      <p:ext uri="{BB962C8B-B14F-4D97-AF65-F5344CB8AC3E}">
+        <p14:creationId xmlns:p14="http://schemas.microsoft.com/office/powerpoint/2010/main" val="1636815637"/>
+      </p:ext>
+    </p:extLst>
+  </p:cSld>
+  <p:clrMapOvr>
+    <a:masterClrMapping/>
+  </p:clrMapOvr>
+  <p:timing>
+    <p:tnLst>
+      <p:par>
+        <p:cTn id="1" dur="indefinite" restart="never" nodeType="tmRoot"/>
+      </p:par>
+    </p:tnLst>
+  </p:timing>
+</p:sld>
+</file>
+
+<file path=ppt/slides/slide33.xml><?xml version="1.0" encoding="utf-8"?>
+<p:sld xmlns:a="http://schemas.openxmlformats.org/drawingml/2006/main" xmlns:r="http://schemas.openxmlformats.org/officeDocument/2006/relationships" xmlns:p="http://schemas.openxmlformats.org/presentationml/2006/main">
+  <p:cSld>
+    <p:spTree>
+      <p:nvGrpSpPr>
+        <p:cNvPr id="1" name=""/>
+        <p:cNvGrpSpPr/>
+        <p:nvPr/>
+      </p:nvGrpSpPr>
+      <p:grpSpPr>
+        <a:xfrm>
+          <a:off x="0" y="0"/>
+          <a:ext cx="0" cy="0"/>
+          <a:chOff x="0" y="0"/>
+          <a:chExt cx="0" cy="0"/>
+        </a:xfrm>
+      </p:grpSpPr>
+      <p:sp>
+        <p:nvSpPr>
+          <p:cNvPr id="5" name="Rombe 4"/>
+          <p:cNvSpPr/>
+          <p:nvPr/>
+        </p:nvSpPr>
+        <p:spPr>
+          <a:xfrm>
+            <a:off x="2525696" y="1667531"/>
+            <a:ext cx="1080000" cy="1080000"/>
+          </a:xfrm>
+          <a:prstGeom prst="diamond">
+            <a:avLst/>
+          </a:prstGeom>
+        </p:spPr>
+        <p:style>
+          <a:lnRef idx="2">
+            <a:schemeClr val="accent1">
+              <a:shade val="50000"/>
+            </a:schemeClr>
+          </a:lnRef>
+          <a:fillRef idx="1">
+            <a:schemeClr val="accent1"/>
+          </a:fillRef>
+          <a:effectRef idx="0">
+            <a:schemeClr val="accent1"/>
+          </a:effectRef>
+          <a:fontRef idx="minor">
+            <a:schemeClr val="lt1"/>
+          </a:fontRef>
+        </p:style>
+        <p:txBody>
+          <a:bodyPr rtlCol="0" anchor="ctr"/>
+          <a:lstStyle/>
+          <a:p>
+            <a:pPr algn="ctr"/>
+            <a:r>
+              <a:rPr lang="da-DK" sz="4800" smtClean="0"/>
+              <a:t>?</a:t>
+            </a:r>
+            <a:endParaRPr lang="da-DK" sz="4800"/>
+          </a:p>
+        </p:txBody>
+      </p:sp>
+      <p:cxnSp>
+        <p:nvCxnSpPr>
+          <p:cNvPr id="10" name="Lige pilforbindelse 9"/>
+          <p:cNvCxnSpPr>
+            <a:endCxn id="5" idx="0"/>
+          </p:cNvCxnSpPr>
+          <p:nvPr/>
+        </p:nvCxnSpPr>
+        <p:spPr>
+          <a:xfrm>
+            <a:off x="3061547" y="684107"/>
+            <a:ext cx="4149" cy="983424"/>
+          </a:xfrm>
+          <a:prstGeom prst="straightConnector1">
+            <a:avLst/>
+          </a:prstGeom>
+          <a:ln w="76200">
+            <a:solidFill>
+              <a:schemeClr val="tx1">
+                <a:lumMod val="95000"/>
+                <a:lumOff val="5000"/>
+              </a:schemeClr>
+            </a:solidFill>
+            <a:tailEnd type="triangle"/>
+          </a:ln>
+        </p:spPr>
+        <p:style>
+          <a:lnRef idx="1">
+            <a:schemeClr val="accent1"/>
+          </a:lnRef>
+          <a:fillRef idx="0">
+            <a:schemeClr val="accent1"/>
+          </a:fillRef>
+          <a:effectRef idx="0">
+            <a:schemeClr val="accent1"/>
+          </a:effectRef>
+          <a:fontRef idx="minor">
+            <a:schemeClr val="tx1"/>
+          </a:fontRef>
+        </p:style>
+      </p:cxnSp>
+      <p:cxnSp>
+        <p:nvCxnSpPr>
+          <p:cNvPr id="16" name="Lige pilforbindelse 15"/>
+          <p:cNvCxnSpPr>
+            <a:endCxn id="18" idx="0"/>
+          </p:cNvCxnSpPr>
+          <p:nvPr/>
+        </p:nvCxnSpPr>
+        <p:spPr>
+          <a:xfrm>
+            <a:off x="3061547" y="2747531"/>
+            <a:ext cx="0" cy="539771"/>
+          </a:xfrm>
+          <a:prstGeom prst="straightConnector1">
+            <a:avLst/>
+          </a:prstGeom>
+          <a:ln w="76200">
+            <a:solidFill>
+              <a:schemeClr val="accent6">
+                <a:lumMod val="75000"/>
+              </a:schemeClr>
+            </a:solidFill>
+            <a:tailEnd type="triangle"/>
+          </a:ln>
+        </p:spPr>
+        <p:style>
+          <a:lnRef idx="1">
+            <a:schemeClr val="accent1"/>
+          </a:lnRef>
+          <a:fillRef idx="0">
+            <a:schemeClr val="accent1"/>
+          </a:fillRef>
+          <a:effectRef idx="0">
+            <a:schemeClr val="accent1"/>
+          </a:effectRef>
+          <a:fontRef idx="minor">
+            <a:schemeClr val="tx1"/>
+          </a:fontRef>
+        </p:style>
+      </p:cxnSp>
+      <p:sp>
+        <p:nvSpPr>
+          <p:cNvPr id="18" name="Rektangel 17"/>
+          <p:cNvSpPr/>
+          <p:nvPr/>
+        </p:nvSpPr>
+        <p:spPr>
+          <a:xfrm>
+            <a:off x="2261914" y="3287302"/>
+            <a:ext cx="1599265" cy="887306"/>
+          </a:xfrm>
+          <a:prstGeom prst="rect">
+            <a:avLst/>
+          </a:prstGeom>
+          <a:solidFill>
+            <a:schemeClr val="accent6">
+              <a:lumMod val="75000"/>
+            </a:schemeClr>
+          </a:solidFill>
+          <a:ln>
+            <a:solidFill>
+              <a:schemeClr val="accent6">
+                <a:lumMod val="75000"/>
+              </a:schemeClr>
+            </a:solidFill>
+          </a:ln>
+        </p:spPr>
+        <p:style>
+          <a:lnRef idx="2">
+            <a:schemeClr val="accent1">
+              <a:shade val="50000"/>
+            </a:schemeClr>
+          </a:lnRef>
+          <a:fillRef idx="1">
+            <a:schemeClr val="accent1"/>
+          </a:fillRef>
+          <a:effectRef idx="0">
+            <a:schemeClr val="accent1"/>
+          </a:effectRef>
+          <a:fontRef idx="minor">
+            <a:schemeClr val="lt1"/>
+          </a:fontRef>
+        </p:style>
+        <p:txBody>
+          <a:bodyPr rtlCol="0" anchor="ctr"/>
+          <a:lstStyle/>
+          <a:p>
+            <a:pPr algn="ctr"/>
+            <a:r>
+              <a:rPr lang="da-DK" sz="4800" smtClean="0"/>
+              <a:t>{…}</a:t>
+            </a:r>
+            <a:endParaRPr lang="da-DK" sz="4800"/>
+          </a:p>
+        </p:txBody>
+      </p:sp>
+      <p:cxnSp>
+        <p:nvCxnSpPr>
+          <p:cNvPr id="20" name="Lige pilforbindelse 19"/>
+          <p:cNvCxnSpPr>
+            <a:stCxn id="18" idx="2"/>
+          </p:cNvCxnSpPr>
+          <p:nvPr/>
+        </p:nvCxnSpPr>
+        <p:spPr>
+          <a:xfrm flipH="1">
+            <a:off x="3061545" y="4174608"/>
+            <a:ext cx="2" cy="539771"/>
+          </a:xfrm>
+          <a:prstGeom prst="straightConnector1">
+            <a:avLst/>
+          </a:prstGeom>
+          <a:ln w="76200">
+            <a:solidFill>
+              <a:schemeClr val="accent6">
+                <a:lumMod val="75000"/>
+              </a:schemeClr>
+            </a:solidFill>
+            <a:tailEnd type="none"/>
+          </a:ln>
+        </p:spPr>
+        <p:style>
+          <a:lnRef idx="1">
+            <a:schemeClr val="accent1"/>
+          </a:lnRef>
+          <a:fillRef idx="0">
+            <a:schemeClr val="accent1"/>
+          </a:fillRef>
+          <a:effectRef idx="0">
+            <a:schemeClr val="accent1"/>
+          </a:effectRef>
+          <a:fontRef idx="minor">
+            <a:schemeClr val="tx1"/>
+          </a:fontRef>
+        </p:style>
+      </p:cxnSp>
+      <p:cxnSp>
+        <p:nvCxnSpPr>
+          <p:cNvPr id="36" name="Lige pilforbindelse 35"/>
+          <p:cNvCxnSpPr/>
+          <p:nvPr/>
+        </p:nvCxnSpPr>
+        <p:spPr>
+          <a:xfrm>
+            <a:off x="3061545" y="4714379"/>
+            <a:ext cx="4149" cy="983424"/>
+          </a:xfrm>
+          <a:prstGeom prst="straightConnector1">
+            <a:avLst/>
+          </a:prstGeom>
+          <a:ln w="76200">
+            <a:solidFill>
+              <a:schemeClr val="tx1">
+                <a:lumMod val="95000"/>
+                <a:lumOff val="5000"/>
+              </a:schemeClr>
+            </a:solidFill>
+            <a:tailEnd type="triangle"/>
+          </a:ln>
+        </p:spPr>
+        <p:style>
+          <a:lnRef idx="1">
+            <a:schemeClr val="accent1"/>
+          </a:lnRef>
+          <a:fillRef idx="0">
+            <a:schemeClr val="accent1"/>
+          </a:fillRef>
+          <a:effectRef idx="0">
+            <a:schemeClr val="accent1"/>
+          </a:effectRef>
+          <a:fontRef idx="minor">
+            <a:schemeClr val="tx1"/>
+          </a:fontRef>
+        </p:style>
+      </p:cxnSp>
+      <p:sp>
+        <p:nvSpPr>
+          <p:cNvPr id="14" name="Rektangel 13"/>
+          <p:cNvSpPr/>
+          <p:nvPr/>
+        </p:nvSpPr>
+        <p:spPr>
+          <a:xfrm>
+            <a:off x="4212634" y="3287302"/>
+            <a:ext cx="1599265" cy="887306"/>
+          </a:xfrm>
+          <a:prstGeom prst="rect">
+            <a:avLst/>
+          </a:prstGeom>
+          <a:solidFill>
+            <a:srgbClr val="FF0000"/>
+          </a:solidFill>
+          <a:ln>
+            <a:solidFill>
+              <a:schemeClr val="accent6">
+                <a:lumMod val="75000"/>
+              </a:schemeClr>
+            </a:solidFill>
+          </a:ln>
+        </p:spPr>
+        <p:style>
+          <a:lnRef idx="2">
+            <a:schemeClr val="accent1">
+              <a:shade val="50000"/>
+            </a:schemeClr>
+          </a:lnRef>
+          <a:fillRef idx="1">
+            <a:schemeClr val="accent1"/>
+          </a:fillRef>
+          <a:effectRef idx="0">
+            <a:schemeClr val="accent1"/>
+          </a:effectRef>
+          <a:fontRef idx="minor">
+            <a:schemeClr val="lt1"/>
+          </a:fontRef>
+        </p:style>
+        <p:txBody>
+          <a:bodyPr rtlCol="0" anchor="ctr"/>
+          <a:lstStyle/>
+          <a:p>
+            <a:pPr algn="ctr"/>
+            <a:r>
+              <a:rPr lang="da-DK" sz="4800" smtClean="0"/>
+              <a:t>{…}</a:t>
+            </a:r>
+            <a:endParaRPr lang="da-DK" sz="4800"/>
+          </a:p>
+        </p:txBody>
+      </p:sp>
+      <p:sp>
+        <p:nvSpPr>
+          <p:cNvPr id="13" name="Tekstfelt 12"/>
+          <p:cNvSpPr txBox="1"/>
+          <p:nvPr/>
+        </p:nvSpPr>
+        <p:spPr>
+          <a:xfrm>
+            <a:off x="4308981" y="578720"/>
+            <a:ext cx="7279595" cy="461665"/>
+          </a:xfrm>
+          <a:prstGeom prst="rect">
+            <a:avLst/>
+          </a:prstGeom>
+          <a:noFill/>
+        </p:spPr>
+        <p:txBody>
+          <a:bodyPr wrap="square" rtlCol="0">
+            <a:spAutoFit/>
+          </a:bodyPr>
+          <a:lstStyle/>
+          <a:p>
+            <a:r>
+              <a:rPr lang="da-DK" sz="2400" b="1" smtClean="0">
+                <a:solidFill>
+                  <a:srgbClr val="0070C0"/>
+                </a:solidFill>
+                <a:latin typeface="Consolas" panose="020B0609020204030204" pitchFamily="49" charset="0"/>
+              </a:rPr>
+              <a:t>int </a:t>
+            </a:r>
+            <a:r>
+              <a:rPr lang="da-DK" sz="2400" b="1">
+                <a:latin typeface="Consolas" panose="020B0609020204030204" pitchFamily="49" charset="0"/>
+              </a:rPr>
+              <a:t>discount = (noOfItems &lt; </a:t>
+            </a:r>
+            <a:r>
+              <a:rPr lang="da-DK" sz="2400" b="1">
+                <a:latin typeface="Consolas" panose="020B0609020204030204" pitchFamily="49" charset="0"/>
+              </a:rPr>
+              <a:t>10</a:t>
+            </a:r>
+            <a:r>
+              <a:rPr lang="da-DK" sz="2400" b="1" smtClean="0">
+                <a:latin typeface="Consolas" panose="020B0609020204030204" pitchFamily="49" charset="0"/>
+              </a:rPr>
+              <a:t>) ? 0 : 10;</a:t>
+            </a:r>
+            <a:endParaRPr lang="da-DK" sz="2400" b="1">
+              <a:latin typeface="Consolas" panose="020B0609020204030204" pitchFamily="49" charset="0"/>
+            </a:endParaRPr>
+          </a:p>
+        </p:txBody>
+      </p:sp>
+      <p:sp>
+        <p:nvSpPr>
+          <p:cNvPr id="15" name="Forbindelse 14"/>
+          <p:cNvSpPr/>
+          <p:nvPr/>
+        </p:nvSpPr>
+        <p:spPr>
+          <a:xfrm>
+            <a:off x="10005839" y="1210331"/>
+            <a:ext cx="457200" cy="457200"/>
+          </a:xfrm>
+          <a:prstGeom prst="flowChartConnector">
+            <a:avLst/>
+          </a:prstGeom>
+          <a:solidFill>
+            <a:schemeClr val="accent6">
+              <a:lumMod val="75000"/>
+            </a:schemeClr>
+          </a:solidFill>
+        </p:spPr>
+        <p:style>
+          <a:lnRef idx="2">
+            <a:schemeClr val="accent1">
+              <a:shade val="50000"/>
+            </a:schemeClr>
+          </a:lnRef>
+          <a:fillRef idx="1">
+            <a:schemeClr val="accent1"/>
+          </a:fillRef>
+          <a:effectRef idx="0">
+            <a:schemeClr val="accent1"/>
+          </a:effectRef>
+          <a:fontRef idx="minor">
+            <a:schemeClr val="lt1"/>
+          </a:fontRef>
+        </p:style>
+        <p:txBody>
+          <a:bodyPr rtlCol="0" anchor="ctr"/>
+          <a:lstStyle/>
+          <a:p>
+            <a:pPr algn="ctr"/>
+            <a:endParaRPr lang="da-DK"/>
+          </a:p>
+        </p:txBody>
+      </p:sp>
+      <p:sp>
+        <p:nvSpPr>
+          <p:cNvPr id="17" name="Forbindelse 16"/>
+          <p:cNvSpPr/>
+          <p:nvPr/>
+        </p:nvSpPr>
+        <p:spPr>
+          <a:xfrm>
+            <a:off x="10800580" y="1210331"/>
+            <a:ext cx="457200" cy="457200"/>
+          </a:xfrm>
+          <a:prstGeom prst="flowChartConnector">
+            <a:avLst/>
+          </a:prstGeom>
+          <a:solidFill>
+            <a:srgbClr val="FF0000"/>
+          </a:solidFill>
+        </p:spPr>
+        <p:style>
+          <a:lnRef idx="2">
+            <a:schemeClr val="accent1">
+              <a:shade val="50000"/>
+            </a:schemeClr>
+          </a:lnRef>
+          <a:fillRef idx="1">
+            <a:schemeClr val="accent1"/>
+          </a:fillRef>
+          <a:effectRef idx="0">
+            <a:schemeClr val="accent1"/>
+          </a:effectRef>
+          <a:fontRef idx="minor">
+            <a:schemeClr val="lt1"/>
+          </a:fontRef>
+        </p:style>
+        <p:txBody>
+          <a:bodyPr rtlCol="0" anchor="ctr"/>
+          <a:lstStyle/>
+          <a:p>
+            <a:pPr algn="ctr"/>
+            <a:endParaRPr lang="da-DK"/>
+          </a:p>
+        </p:txBody>
+      </p:sp>
+      <p:cxnSp>
+        <p:nvCxnSpPr>
+          <p:cNvPr id="19" name="Vinklet forbindelse 18"/>
+          <p:cNvCxnSpPr/>
+          <p:nvPr/>
+        </p:nvCxnSpPr>
+        <p:spPr>
+          <a:xfrm>
+            <a:off x="3605696" y="2207531"/>
+            <a:ext cx="1406571" cy="1079771"/>
+          </a:xfrm>
+          <a:prstGeom prst="bentConnector2">
+            <a:avLst/>
+          </a:prstGeom>
+          <a:ln w="76200">
+            <a:solidFill>
+              <a:srgbClr val="FF0000"/>
+            </a:solidFill>
+            <a:tailEnd type="triangle"/>
+          </a:ln>
+        </p:spPr>
+        <p:style>
+          <a:lnRef idx="1">
+            <a:schemeClr val="accent1"/>
+          </a:lnRef>
+          <a:fillRef idx="0">
+            <a:schemeClr val="accent1"/>
+          </a:fillRef>
+          <a:effectRef idx="0">
+            <a:schemeClr val="accent1"/>
+          </a:effectRef>
+          <a:fontRef idx="minor">
+            <a:schemeClr val="tx1"/>
+          </a:fontRef>
+        </p:style>
+      </p:cxnSp>
+      <p:cxnSp>
+        <p:nvCxnSpPr>
+          <p:cNvPr id="22" name="Vinklet forbindelse 21"/>
+          <p:cNvCxnSpPr/>
+          <p:nvPr/>
+        </p:nvCxnSpPr>
+        <p:spPr>
+          <a:xfrm rot="5400000">
+            <a:off x="3764948" y="3467059"/>
+            <a:ext cx="539770" cy="1954869"/>
+          </a:xfrm>
+          <a:prstGeom prst="bentConnector2">
+            <a:avLst/>
+          </a:prstGeom>
+          <a:ln w="76200">
+            <a:solidFill>
+              <a:srgbClr val="FF0000"/>
+            </a:solidFill>
+            <a:tailEnd type="triangle"/>
+          </a:ln>
+        </p:spPr>
+        <p:style>
+          <a:lnRef idx="1">
+            <a:schemeClr val="accent1"/>
+          </a:lnRef>
+          <a:fillRef idx="0">
+            <a:schemeClr val="accent1"/>
+          </a:fillRef>
+          <a:effectRef idx="0">
+            <a:schemeClr val="accent1"/>
+          </a:effectRef>
+          <a:fontRef idx="minor">
+            <a:schemeClr val="tx1"/>
+          </a:fontRef>
+        </p:style>
+      </p:cxnSp>
+      <p:sp>
+        <p:nvSpPr>
+          <p:cNvPr id="21" name="Rombe 20"/>
+          <p:cNvSpPr/>
+          <p:nvPr/>
+        </p:nvSpPr>
+        <p:spPr>
+          <a:xfrm>
+            <a:off x="8195600" y="1210331"/>
+            <a:ext cx="540000" cy="540000"/>
+          </a:xfrm>
+          <a:prstGeom prst="diamond">
+            <a:avLst/>
+          </a:prstGeom>
+        </p:spPr>
+        <p:style>
+          <a:lnRef idx="2">
+            <a:schemeClr val="accent1">
+              <a:shade val="50000"/>
+            </a:schemeClr>
+          </a:lnRef>
+          <a:fillRef idx="1">
+            <a:schemeClr val="accent1"/>
+          </a:fillRef>
+          <a:effectRef idx="0">
+            <a:schemeClr val="accent1"/>
+          </a:effectRef>
+          <a:fontRef idx="minor">
+            <a:schemeClr val="lt1"/>
+          </a:fontRef>
+        </p:style>
+        <p:txBody>
+          <a:bodyPr rtlCol="0" anchor="ctr"/>
+          <a:lstStyle/>
+          <a:p>
+            <a:pPr algn="ctr"/>
+            <a:r>
+              <a:rPr lang="da-DK" sz="2400" smtClean="0"/>
+              <a:t>?</a:t>
+            </a:r>
+            <a:endParaRPr lang="da-DK" sz="2400"/>
+          </a:p>
+        </p:txBody>
+      </p:sp>
+    </p:spTree>
+    <p:extLst>
+      <p:ext uri="{BB962C8B-B14F-4D97-AF65-F5344CB8AC3E}">
+        <p14:creationId xmlns:p14="http://schemas.microsoft.com/office/powerpoint/2010/main" val="4149476757"/>
+      </p:ext>
+    </p:extLst>
+  </p:cSld>
+  <p:clrMapOvr>
+    <a:masterClrMapping/>
+  </p:clrMapOvr>
+  <p:timing>
+    <p:tnLst>
+      <p:par>
+        <p:cTn id="1" dur="indefinite" restart="never" nodeType="tmRoot"/>
+      </p:par>
+    </p:tnLst>
+  </p:timing>
+</p:sld>
+</file>
+
+<file path=ppt/slides/slide34.xml><?xml version="1.0" encoding="utf-8"?>
+<p:sld xmlns:a="http://schemas.openxmlformats.org/drawingml/2006/main" xmlns:r="http://schemas.openxmlformats.org/officeDocument/2006/relationships" xmlns:p="http://schemas.openxmlformats.org/presentationml/2006/main">
+  <p:cSld>
+    <p:spTree>
+      <p:nvGrpSpPr>
+        <p:cNvPr id="1" name=""/>
+        <p:cNvGrpSpPr/>
+        <p:nvPr/>
+      </p:nvGrpSpPr>
+      <p:grpSpPr>
+        <a:xfrm>
+          <a:off x="0" y="0"/>
+          <a:ext cx="0" cy="0"/>
+          <a:chOff x="0" y="0"/>
+          <a:chExt cx="0" cy="0"/>
+        </a:xfrm>
+      </p:grpSpPr>
       <p:cxnSp>
         <p:nvCxnSpPr>
           <p:cNvPr id="16" name="Lige pilforbindelse 15"/>
@@ -15391,7 +15795,7 @@
         </p:nvSpPr>
         <p:spPr>
           <a:xfrm>
-            <a:off x="8446347" y="345132"/>
+            <a:off x="8446347" y="345129"/>
             <a:ext cx="3352800" cy="5632311"/>
           </a:xfrm>
           <a:prstGeom prst="rect">
@@ -15449,7 +15853,7 @@
               <a:rPr lang="da-DK" sz="2400" b="1" smtClean="0">
                 <a:latin typeface="Consolas" panose="020B0609020204030204" pitchFamily="49" charset="0"/>
               </a:rPr>
-              <a:t> 8:</a:t>
+              <a:t> … :</a:t>
             </a:r>
           </a:p>
           <a:p>
@@ -15474,7 +15878,7 @@
                 </a:solidFill>
                 <a:latin typeface="Consolas" panose="020B0609020204030204" pitchFamily="49" charset="0"/>
               </a:rPr>
-              <a:t>price = 10;</a:t>
+              <a:t>;</a:t>
             </a:r>
           </a:p>
           <a:p>
@@ -15505,9 +15909,6 @@
               </a:rPr>
               <a:t>;</a:t>
             </a:r>
-            <a:endParaRPr lang="da-DK" sz="2400" b="1" smtClean="0">
-              <a:latin typeface="Consolas" panose="020B0609020204030204" pitchFamily="49" charset="0"/>
-            </a:endParaRPr>
           </a:p>
           <a:p>
             <a:r>
@@ -15535,7 +15936,7 @@
               <a:rPr lang="da-DK" sz="2400" b="1" smtClean="0">
                 <a:latin typeface="Consolas" panose="020B0609020204030204" pitchFamily="49" charset="0"/>
               </a:rPr>
-              <a:t> 14:</a:t>
+              <a:t> … :</a:t>
             </a:r>
             <a:endParaRPr lang="da-DK" sz="2400" b="1">
               <a:latin typeface="Consolas" panose="020B0609020204030204" pitchFamily="49" charset="0"/>
@@ -15547,24 +15948,6 @@
                 <a:latin typeface="Consolas" panose="020B0609020204030204" pitchFamily="49" charset="0"/>
               </a:rPr>
               <a:t>      </a:t>
-            </a:r>
-            <a:r>
-              <a:rPr lang="da-DK" sz="2400" b="1">
-                <a:solidFill>
-                  <a:srgbClr val="B8B800"/>
-                </a:solidFill>
-                <a:latin typeface="Consolas" panose="020B0609020204030204" pitchFamily="49" charset="0"/>
-              </a:rPr>
-              <a:t>price </a:t>
-            </a:r>
-            <a:r>
-              <a:rPr lang="da-DK" sz="2400" b="1">
-                <a:solidFill>
-                  <a:srgbClr val="B8B800"/>
-                </a:solidFill>
-                <a:latin typeface="Consolas" panose="020B0609020204030204" pitchFamily="49" charset="0"/>
-              </a:rPr>
-              <a:t>= </a:t>
             </a:r>
             <a:r>
               <a:rPr lang="da-DK" sz="2400" b="1" smtClean="0">
@@ -15573,7 +15956,7 @@
                 </a:solidFill>
                 <a:latin typeface="Consolas" panose="020B0609020204030204" pitchFamily="49" charset="0"/>
               </a:rPr>
-              <a:t>15;</a:t>
+              <a:t>;</a:t>
             </a:r>
             <a:endParaRPr lang="da-DK" sz="2400" b="1">
               <a:solidFill>
@@ -15631,7 +16014,7 @@
               <a:rPr lang="da-DK" sz="2400" b="1" smtClean="0">
                 <a:latin typeface="Consolas" panose="020B0609020204030204" pitchFamily="49" charset="0"/>
               </a:rPr>
-              <a:t> 21:</a:t>
+              <a:t> … :</a:t>
             </a:r>
             <a:endParaRPr lang="da-DK" sz="2400" b="1">
               <a:latin typeface="Consolas" panose="020B0609020204030204" pitchFamily="49" charset="0"/>
@@ -15645,7 +16028,7 @@
               <a:t>      </a:t>
             </a:r>
             <a:r>
-              <a:rPr lang="da-DK" sz="2400" b="1">
+              <a:rPr lang="da-DK" sz="2400" b="1" smtClean="0">
                 <a:solidFill>
                   <a:schemeClr val="bg1">
                     <a:lumMod val="50000"/>
@@ -15653,8 +16036,16 @@
                 </a:solidFill>
                 <a:latin typeface="Consolas" panose="020B0609020204030204" pitchFamily="49" charset="0"/>
               </a:rPr>
-              <a:t>price = 20;</a:t>
-            </a:r>
+              <a:t>;</a:t>
+            </a:r>
+            <a:endParaRPr lang="da-DK" sz="2400" b="1">
+              <a:solidFill>
+                <a:schemeClr val="bg1">
+                  <a:lumMod val="50000"/>
+                </a:schemeClr>
+              </a:solidFill>
+              <a:latin typeface="Consolas" panose="020B0609020204030204" pitchFamily="49" charset="0"/>
+            </a:endParaRPr>
           </a:p>
           <a:p>
             <a:r>
@@ -15719,31 +16110,13 @@
               <a:t>      </a:t>
             </a:r>
             <a:r>
-              <a:rPr lang="da-DK" sz="2400" b="1">
-                <a:solidFill>
-                  <a:srgbClr val="FF0000"/>
-                </a:solidFill>
-                <a:latin typeface="Consolas" panose="020B0609020204030204" pitchFamily="49" charset="0"/>
-              </a:rPr>
-              <a:t>price </a:t>
-            </a:r>
-            <a:r>
-              <a:rPr lang="da-DK" sz="2400" b="1">
-                <a:solidFill>
-                  <a:srgbClr val="FF0000"/>
-                </a:solidFill>
-                <a:latin typeface="Consolas" panose="020B0609020204030204" pitchFamily="49" charset="0"/>
-              </a:rPr>
-              <a:t>= </a:t>
-            </a:r>
-            <a:r>
               <a:rPr lang="da-DK" sz="2400" b="1" smtClean="0">
                 <a:solidFill>
                   <a:srgbClr val="FF0000"/>
                 </a:solidFill>
                 <a:latin typeface="Consolas" panose="020B0609020204030204" pitchFamily="49" charset="0"/>
               </a:rPr>
-              <a:t>50;</a:t>
+              <a:t>;</a:t>
             </a:r>
             <a:endParaRPr lang="da-DK" sz="2400" b="1">
               <a:solidFill>
@@ -15790,9 +16163,1469 @@
               </a:rPr>
               <a:t>}</a:t>
             </a:r>
+          </a:p>
+        </p:txBody>
+      </p:sp>
+      <p:sp>
+        <p:nvSpPr>
+          <p:cNvPr id="2" name="Forbindelse 1"/>
+          <p:cNvSpPr/>
+          <p:nvPr/>
+        </p:nvSpPr>
+        <p:spPr>
+          <a:xfrm>
+            <a:off x="9526611" y="1516298"/>
+            <a:ext cx="360000" cy="360000"/>
+          </a:xfrm>
+          <a:prstGeom prst="flowChartConnector">
+            <a:avLst/>
+          </a:prstGeom>
+          <a:solidFill>
+            <a:schemeClr val="accent6">
+              <a:lumMod val="75000"/>
+            </a:schemeClr>
+          </a:solidFill>
+        </p:spPr>
+        <p:style>
+          <a:lnRef idx="2">
+            <a:schemeClr val="accent1">
+              <a:shade val="50000"/>
+            </a:schemeClr>
+          </a:lnRef>
+          <a:fillRef idx="1">
+            <a:schemeClr val="accent1"/>
+          </a:fillRef>
+          <a:effectRef idx="0">
+            <a:schemeClr val="accent1"/>
+          </a:effectRef>
+          <a:fontRef idx="minor">
+            <a:schemeClr val="lt1"/>
+          </a:fontRef>
+        </p:style>
+        <p:txBody>
+          <a:bodyPr rtlCol="0" anchor="ctr"/>
+          <a:lstStyle/>
+          <a:p>
+            <a:pPr algn="ctr"/>
+            <a:endParaRPr lang="da-DK"/>
+          </a:p>
+        </p:txBody>
+      </p:sp>
+      <p:sp>
+        <p:nvSpPr>
+          <p:cNvPr id="13" name="Rombe 12"/>
+          <p:cNvSpPr/>
+          <p:nvPr/>
+        </p:nvSpPr>
+        <p:spPr>
+          <a:xfrm>
+            <a:off x="774030" y="1058309"/>
+            <a:ext cx="1080000" cy="1080000"/>
+          </a:xfrm>
+          <a:prstGeom prst="diamond">
+            <a:avLst/>
+          </a:prstGeom>
+        </p:spPr>
+        <p:style>
+          <a:lnRef idx="2">
+            <a:schemeClr val="accent1">
+              <a:shade val="50000"/>
+            </a:schemeClr>
+          </a:lnRef>
+          <a:fillRef idx="1">
+            <a:schemeClr val="accent1"/>
+          </a:fillRef>
+          <a:effectRef idx="0">
+            <a:schemeClr val="accent1"/>
+          </a:effectRef>
+          <a:fontRef idx="minor">
+            <a:schemeClr val="lt1"/>
+          </a:fontRef>
+        </p:style>
+        <p:txBody>
+          <a:bodyPr rtlCol="0" anchor="ctr"/>
+          <a:lstStyle/>
+          <a:p>
+            <a:pPr algn="ctr"/>
+            <a:r>
+              <a:rPr lang="da-DK" sz="2800" smtClean="0"/>
+              <a:t>==</a:t>
+            </a:r>
+            <a:endParaRPr lang="da-DK" sz="2800"/>
+          </a:p>
+        </p:txBody>
+      </p:sp>
+      <p:cxnSp>
+        <p:nvCxnSpPr>
+          <p:cNvPr id="22" name="Lige pilforbindelse 21"/>
+          <p:cNvCxnSpPr>
+            <a:stCxn id="13" idx="3"/>
+            <a:endCxn id="30" idx="1"/>
+          </p:cNvCxnSpPr>
+          <p:nvPr/>
+        </p:nvCxnSpPr>
+        <p:spPr>
+          <a:xfrm>
+            <a:off x="1854030" y="1598309"/>
+            <a:ext cx="865642" cy="0"/>
+          </a:xfrm>
+          <a:prstGeom prst="straightConnector1">
+            <a:avLst/>
+          </a:prstGeom>
+          <a:ln w="76200">
+            <a:solidFill>
+              <a:srgbClr val="FF0000"/>
+            </a:solidFill>
+            <a:tailEnd type="triangle"/>
+          </a:ln>
+        </p:spPr>
+        <p:style>
+          <a:lnRef idx="1">
+            <a:schemeClr val="accent1"/>
+          </a:lnRef>
+          <a:fillRef idx="0">
+            <a:schemeClr val="accent1"/>
+          </a:fillRef>
+          <a:effectRef idx="0">
+            <a:schemeClr val="accent1"/>
+          </a:effectRef>
+          <a:fontRef idx="minor">
+            <a:schemeClr val="tx1"/>
+          </a:fontRef>
+        </p:style>
+      </p:cxnSp>
+      <p:sp>
+        <p:nvSpPr>
+          <p:cNvPr id="21" name="Rektangel 20"/>
+          <p:cNvSpPr/>
+          <p:nvPr/>
+        </p:nvSpPr>
+        <p:spPr>
+          <a:xfrm>
+            <a:off x="514398" y="2779300"/>
+            <a:ext cx="1599265" cy="887306"/>
+          </a:xfrm>
+          <a:prstGeom prst="rect">
+            <a:avLst/>
+          </a:prstGeom>
+          <a:solidFill>
+            <a:schemeClr val="accent6">
+              <a:lumMod val="75000"/>
+            </a:schemeClr>
+          </a:solidFill>
+          <a:ln>
+            <a:solidFill>
+              <a:schemeClr val="accent6">
+                <a:lumMod val="75000"/>
+              </a:schemeClr>
+            </a:solidFill>
+          </a:ln>
+        </p:spPr>
+        <p:style>
+          <a:lnRef idx="2">
+            <a:schemeClr val="accent1">
+              <a:shade val="50000"/>
+            </a:schemeClr>
+          </a:lnRef>
+          <a:fillRef idx="1">
+            <a:schemeClr val="accent1"/>
+          </a:fillRef>
+          <a:effectRef idx="0">
+            <a:schemeClr val="accent1"/>
+          </a:effectRef>
+          <a:fontRef idx="minor">
+            <a:schemeClr val="lt1"/>
+          </a:fontRef>
+        </p:style>
+        <p:txBody>
+          <a:bodyPr rtlCol="0" anchor="ctr"/>
+          <a:lstStyle/>
+          <a:p>
+            <a:pPr algn="ctr"/>
+            <a:r>
+              <a:rPr lang="da-DK" sz="4800" smtClean="0"/>
+              <a:t>{…}</a:t>
+            </a:r>
+            <a:endParaRPr lang="da-DK" sz="4800"/>
+          </a:p>
+        </p:txBody>
+      </p:sp>
+      <p:sp>
+        <p:nvSpPr>
+          <p:cNvPr id="26" name="Rektangel 25"/>
+          <p:cNvSpPr/>
+          <p:nvPr/>
+        </p:nvSpPr>
+        <p:spPr>
+          <a:xfrm>
+            <a:off x="2460040" y="2787228"/>
+            <a:ext cx="1599265" cy="887306"/>
+          </a:xfrm>
+          <a:prstGeom prst="rect">
+            <a:avLst/>
+          </a:prstGeom>
+          <a:solidFill>
+            <a:srgbClr val="B8B800"/>
+          </a:solidFill>
+          <a:ln>
+            <a:solidFill>
+              <a:schemeClr val="accent6">
+                <a:lumMod val="75000"/>
+              </a:schemeClr>
+            </a:solidFill>
+          </a:ln>
+        </p:spPr>
+        <p:style>
+          <a:lnRef idx="2">
+            <a:schemeClr val="accent1">
+              <a:shade val="50000"/>
+            </a:schemeClr>
+          </a:lnRef>
+          <a:fillRef idx="1">
+            <a:schemeClr val="accent1"/>
+          </a:fillRef>
+          <a:effectRef idx="0">
+            <a:schemeClr val="accent1"/>
+          </a:effectRef>
+          <a:fontRef idx="minor">
+            <a:schemeClr val="lt1"/>
+          </a:fontRef>
+        </p:style>
+        <p:txBody>
+          <a:bodyPr rtlCol="0" anchor="ctr"/>
+          <a:lstStyle/>
+          <a:p>
+            <a:pPr algn="ctr"/>
+            <a:r>
+              <a:rPr lang="da-DK" sz="4800" smtClean="0"/>
+              <a:t>{…}</a:t>
+            </a:r>
+            <a:endParaRPr lang="da-DK" sz="4800"/>
+          </a:p>
+        </p:txBody>
+      </p:sp>
+      <p:sp>
+        <p:nvSpPr>
+          <p:cNvPr id="27" name="Rektangel 26"/>
+          <p:cNvSpPr/>
+          <p:nvPr/>
+        </p:nvSpPr>
+        <p:spPr>
+          <a:xfrm>
+            <a:off x="6385945" y="2779300"/>
+            <a:ext cx="1599265" cy="887306"/>
+          </a:xfrm>
+          <a:prstGeom prst="rect">
+            <a:avLst/>
+          </a:prstGeom>
+          <a:solidFill>
+            <a:srgbClr val="FF0000"/>
+          </a:solidFill>
+          <a:ln>
+            <a:solidFill>
+              <a:schemeClr val="accent6">
+                <a:lumMod val="75000"/>
+              </a:schemeClr>
+            </a:solidFill>
+          </a:ln>
+        </p:spPr>
+        <p:style>
+          <a:lnRef idx="2">
+            <a:schemeClr val="accent1">
+              <a:shade val="50000"/>
+            </a:schemeClr>
+          </a:lnRef>
+          <a:fillRef idx="1">
+            <a:schemeClr val="accent1"/>
+          </a:fillRef>
+          <a:effectRef idx="0">
+            <a:schemeClr val="accent1"/>
+          </a:effectRef>
+          <a:fontRef idx="minor">
+            <a:schemeClr val="lt1"/>
+          </a:fontRef>
+        </p:style>
+        <p:txBody>
+          <a:bodyPr rtlCol="0" anchor="ctr"/>
+          <a:lstStyle/>
+          <a:p>
+            <a:pPr algn="ctr"/>
+            <a:r>
+              <a:rPr lang="da-DK" sz="4800" smtClean="0"/>
+              <a:t>{…}</a:t>
+            </a:r>
+            <a:endParaRPr lang="da-DK" sz="4800"/>
+          </a:p>
+        </p:txBody>
+      </p:sp>
+      <p:sp>
+        <p:nvSpPr>
+          <p:cNvPr id="30" name="Rombe 29"/>
+          <p:cNvSpPr/>
+          <p:nvPr/>
+        </p:nvSpPr>
+        <p:spPr>
+          <a:xfrm>
+            <a:off x="2719672" y="1058309"/>
+            <a:ext cx="1080000" cy="1080000"/>
+          </a:xfrm>
+          <a:prstGeom prst="diamond">
+            <a:avLst/>
+          </a:prstGeom>
+        </p:spPr>
+        <p:style>
+          <a:lnRef idx="2">
+            <a:schemeClr val="accent1">
+              <a:shade val="50000"/>
+            </a:schemeClr>
+          </a:lnRef>
+          <a:fillRef idx="1">
+            <a:schemeClr val="accent1"/>
+          </a:fillRef>
+          <a:effectRef idx="0">
+            <a:schemeClr val="accent1"/>
+          </a:effectRef>
+          <a:fontRef idx="minor">
+            <a:schemeClr val="lt1"/>
+          </a:fontRef>
+        </p:style>
+        <p:txBody>
+          <a:bodyPr rtlCol="0" anchor="ctr"/>
+          <a:lstStyle/>
+          <a:p>
+            <a:pPr algn="ctr"/>
+            <a:r>
+              <a:rPr lang="da-DK" sz="2800" smtClean="0"/>
+              <a:t>==</a:t>
+            </a:r>
+            <a:endParaRPr lang="da-DK" sz="2800"/>
+          </a:p>
+        </p:txBody>
+      </p:sp>
+      <p:sp>
+        <p:nvSpPr>
+          <p:cNvPr id="31" name="Rombe 30"/>
+          <p:cNvSpPr/>
+          <p:nvPr/>
+        </p:nvSpPr>
+        <p:spPr>
+          <a:xfrm>
+            <a:off x="4665314" y="1058309"/>
+            <a:ext cx="1080000" cy="1080000"/>
+          </a:xfrm>
+          <a:prstGeom prst="diamond">
+            <a:avLst/>
+          </a:prstGeom>
+        </p:spPr>
+        <p:style>
+          <a:lnRef idx="2">
+            <a:schemeClr val="accent1">
+              <a:shade val="50000"/>
+            </a:schemeClr>
+          </a:lnRef>
+          <a:fillRef idx="1">
+            <a:schemeClr val="accent1"/>
+          </a:fillRef>
+          <a:effectRef idx="0">
+            <a:schemeClr val="accent1"/>
+          </a:effectRef>
+          <a:fontRef idx="minor">
+            <a:schemeClr val="lt1"/>
+          </a:fontRef>
+        </p:style>
+        <p:txBody>
+          <a:bodyPr rtlCol="0" anchor="ctr"/>
+          <a:lstStyle/>
+          <a:p>
+            <a:pPr algn="ctr"/>
+            <a:r>
+              <a:rPr lang="da-DK" sz="2800" smtClean="0"/>
+              <a:t>==</a:t>
+            </a:r>
+            <a:endParaRPr lang="da-DK" sz="2800"/>
+          </a:p>
+        </p:txBody>
+      </p:sp>
+      <p:cxnSp>
+        <p:nvCxnSpPr>
+          <p:cNvPr id="32" name="Lige pilforbindelse 31"/>
+          <p:cNvCxnSpPr>
+            <a:stCxn id="30" idx="2"/>
+            <a:endCxn id="26" idx="0"/>
+          </p:cNvCxnSpPr>
+          <p:nvPr/>
+        </p:nvCxnSpPr>
+        <p:spPr>
+          <a:xfrm>
+            <a:off x="3259672" y="2138309"/>
+            <a:ext cx="1" cy="648919"/>
+          </a:xfrm>
+          <a:prstGeom prst="straightConnector1">
+            <a:avLst/>
+          </a:prstGeom>
+          <a:ln w="76200">
+            <a:solidFill>
+              <a:srgbClr val="B8B800"/>
+            </a:solidFill>
+            <a:tailEnd type="triangle"/>
+          </a:ln>
+        </p:spPr>
+        <p:style>
+          <a:lnRef idx="1">
+            <a:schemeClr val="accent1"/>
+          </a:lnRef>
+          <a:fillRef idx="0">
+            <a:schemeClr val="accent1"/>
+          </a:fillRef>
+          <a:effectRef idx="0">
+            <a:schemeClr val="accent1"/>
+          </a:effectRef>
+          <a:fontRef idx="minor">
+            <a:schemeClr val="tx1"/>
+          </a:fontRef>
+        </p:style>
+      </p:cxnSp>
+      <p:sp>
+        <p:nvSpPr>
+          <p:cNvPr id="34" name="Rektangel 33"/>
+          <p:cNvSpPr/>
+          <p:nvPr/>
+        </p:nvSpPr>
+        <p:spPr>
+          <a:xfrm>
+            <a:off x="4405682" y="2779300"/>
+            <a:ext cx="1599265" cy="887306"/>
+          </a:xfrm>
+          <a:prstGeom prst="rect">
+            <a:avLst/>
+          </a:prstGeom>
+          <a:solidFill>
+            <a:schemeClr val="bg1">
+              <a:lumMod val="50000"/>
+            </a:schemeClr>
+          </a:solidFill>
+          <a:ln>
+            <a:solidFill>
+              <a:schemeClr val="accent6">
+                <a:lumMod val="75000"/>
+              </a:schemeClr>
+            </a:solidFill>
+          </a:ln>
+        </p:spPr>
+        <p:style>
+          <a:lnRef idx="2">
+            <a:schemeClr val="accent1">
+              <a:shade val="50000"/>
+            </a:schemeClr>
+          </a:lnRef>
+          <a:fillRef idx="1">
+            <a:schemeClr val="accent1"/>
+          </a:fillRef>
+          <a:effectRef idx="0">
+            <a:schemeClr val="accent1"/>
+          </a:effectRef>
+          <a:fontRef idx="minor">
+            <a:schemeClr val="lt1"/>
+          </a:fontRef>
+        </p:style>
+        <p:txBody>
+          <a:bodyPr rtlCol="0" anchor="ctr"/>
+          <a:lstStyle/>
+          <a:p>
+            <a:pPr algn="ctr"/>
+            <a:r>
+              <a:rPr lang="da-DK" sz="4800" smtClean="0"/>
+              <a:t>{…}</a:t>
+            </a:r>
+            <a:endParaRPr lang="da-DK" sz="4800"/>
+          </a:p>
+        </p:txBody>
+      </p:sp>
+      <p:cxnSp>
+        <p:nvCxnSpPr>
+          <p:cNvPr id="35" name="Lige pilforbindelse 34"/>
+          <p:cNvCxnSpPr>
+            <a:stCxn id="21" idx="2"/>
+          </p:cNvCxnSpPr>
+          <p:nvPr/>
+        </p:nvCxnSpPr>
+        <p:spPr>
+          <a:xfrm flipH="1">
+            <a:off x="1314029" y="3666606"/>
+            <a:ext cx="2" cy="688651"/>
+          </a:xfrm>
+          <a:prstGeom prst="straightConnector1">
+            <a:avLst/>
+          </a:prstGeom>
+          <a:ln w="76200">
+            <a:solidFill>
+              <a:schemeClr val="accent6">
+                <a:lumMod val="75000"/>
+              </a:schemeClr>
+            </a:solidFill>
+            <a:tailEnd type="triangle"/>
+          </a:ln>
+        </p:spPr>
+        <p:style>
+          <a:lnRef idx="1">
+            <a:schemeClr val="accent1"/>
+          </a:lnRef>
+          <a:fillRef idx="0">
+            <a:schemeClr val="accent1"/>
+          </a:fillRef>
+          <a:effectRef idx="0">
+            <a:schemeClr val="accent1"/>
+          </a:effectRef>
+          <a:fontRef idx="minor">
+            <a:schemeClr val="tx1"/>
+          </a:fontRef>
+        </p:style>
+      </p:cxnSp>
+      <p:cxnSp>
+        <p:nvCxnSpPr>
+          <p:cNvPr id="37" name="Lige pilforbindelse 36"/>
+          <p:cNvCxnSpPr>
+            <a:stCxn id="26" idx="2"/>
+          </p:cNvCxnSpPr>
+          <p:nvPr/>
+        </p:nvCxnSpPr>
+        <p:spPr>
+          <a:xfrm flipH="1">
+            <a:off x="3259672" y="3674534"/>
+            <a:ext cx="1" cy="648919"/>
+          </a:xfrm>
+          <a:prstGeom prst="straightConnector1">
+            <a:avLst/>
+          </a:prstGeom>
+          <a:ln w="76200">
+            <a:solidFill>
+              <a:srgbClr val="B8B800"/>
+            </a:solidFill>
+            <a:tailEnd type="triangle"/>
+          </a:ln>
+        </p:spPr>
+        <p:style>
+          <a:lnRef idx="1">
+            <a:schemeClr val="accent1"/>
+          </a:lnRef>
+          <a:fillRef idx="0">
+            <a:schemeClr val="accent1"/>
+          </a:fillRef>
+          <a:effectRef idx="0">
+            <a:schemeClr val="accent1"/>
+          </a:effectRef>
+          <a:fontRef idx="minor">
+            <a:schemeClr val="tx1"/>
+          </a:fontRef>
+        </p:style>
+      </p:cxnSp>
+      <p:cxnSp>
+        <p:nvCxnSpPr>
+          <p:cNvPr id="38" name="Lige pilforbindelse 37"/>
+          <p:cNvCxnSpPr>
+            <a:stCxn id="27" idx="2"/>
+          </p:cNvCxnSpPr>
+          <p:nvPr/>
+        </p:nvCxnSpPr>
+        <p:spPr>
+          <a:xfrm flipH="1">
+            <a:off x="7185577" y="3666606"/>
+            <a:ext cx="1" cy="656847"/>
+          </a:xfrm>
+          <a:prstGeom prst="straightConnector1">
+            <a:avLst/>
+          </a:prstGeom>
+          <a:ln w="76200">
+            <a:solidFill>
+              <a:srgbClr val="FF0000"/>
+            </a:solidFill>
+            <a:tailEnd type="triangle"/>
+          </a:ln>
+        </p:spPr>
+        <p:style>
+          <a:lnRef idx="1">
+            <a:schemeClr val="accent1"/>
+          </a:lnRef>
+          <a:fillRef idx="0">
+            <a:schemeClr val="accent1"/>
+          </a:fillRef>
+          <a:effectRef idx="0">
+            <a:schemeClr val="accent1"/>
+          </a:effectRef>
+          <a:fontRef idx="minor">
+            <a:schemeClr val="tx1"/>
+          </a:fontRef>
+        </p:style>
+      </p:cxnSp>
+      <p:cxnSp>
+        <p:nvCxnSpPr>
+          <p:cNvPr id="39" name="Lige pilforbindelse 38"/>
+          <p:cNvCxnSpPr>
+            <a:stCxn id="34" idx="2"/>
+          </p:cNvCxnSpPr>
+          <p:nvPr/>
+        </p:nvCxnSpPr>
+        <p:spPr>
+          <a:xfrm>
+            <a:off x="5205315" y="3666606"/>
+            <a:ext cx="0" cy="670151"/>
+          </a:xfrm>
+          <a:prstGeom prst="straightConnector1">
+            <a:avLst/>
+          </a:prstGeom>
+          <a:ln w="76200">
+            <a:solidFill>
+              <a:schemeClr val="bg1">
+                <a:lumMod val="50000"/>
+              </a:schemeClr>
+            </a:solidFill>
+            <a:tailEnd type="triangle"/>
+          </a:ln>
+        </p:spPr>
+        <p:style>
+          <a:lnRef idx="1">
+            <a:schemeClr val="accent1"/>
+          </a:lnRef>
+          <a:fillRef idx="0">
+            <a:schemeClr val="accent1"/>
+          </a:fillRef>
+          <a:effectRef idx="0">
+            <a:schemeClr val="accent1"/>
+          </a:effectRef>
+          <a:fontRef idx="minor">
+            <a:schemeClr val="tx1"/>
+          </a:fontRef>
+        </p:style>
+      </p:cxnSp>
+      <p:cxnSp>
+        <p:nvCxnSpPr>
+          <p:cNvPr id="40" name="Lige pilforbindelse 39"/>
+          <p:cNvCxnSpPr>
+            <a:endCxn id="34" idx="0"/>
+          </p:cNvCxnSpPr>
+          <p:nvPr/>
+        </p:nvCxnSpPr>
+        <p:spPr>
+          <a:xfrm>
+            <a:off x="5205314" y="2138309"/>
+            <a:ext cx="1" cy="640991"/>
+          </a:xfrm>
+          <a:prstGeom prst="straightConnector1">
+            <a:avLst/>
+          </a:prstGeom>
+          <a:ln w="76200">
+            <a:solidFill>
+              <a:schemeClr val="bg1">
+                <a:lumMod val="50000"/>
+              </a:schemeClr>
+            </a:solidFill>
+            <a:tailEnd type="triangle"/>
+          </a:ln>
+        </p:spPr>
+        <p:style>
+          <a:lnRef idx="1">
+            <a:schemeClr val="accent1"/>
+          </a:lnRef>
+          <a:fillRef idx="0">
+            <a:schemeClr val="accent1"/>
+          </a:fillRef>
+          <a:effectRef idx="0">
+            <a:schemeClr val="accent1"/>
+          </a:effectRef>
+          <a:fontRef idx="minor">
+            <a:schemeClr val="tx1"/>
+          </a:fontRef>
+        </p:style>
+      </p:cxnSp>
+      <p:cxnSp>
+        <p:nvCxnSpPr>
+          <p:cNvPr id="43" name="Lige pilforbindelse 42"/>
+          <p:cNvCxnSpPr>
+            <a:endCxn id="13" idx="0"/>
+          </p:cNvCxnSpPr>
+          <p:nvPr/>
+        </p:nvCxnSpPr>
+        <p:spPr>
+          <a:xfrm>
+            <a:off x="1314030" y="472530"/>
+            <a:ext cx="0" cy="585779"/>
+          </a:xfrm>
+          <a:prstGeom prst="straightConnector1">
+            <a:avLst/>
+          </a:prstGeom>
+          <a:ln w="76200">
+            <a:solidFill>
+              <a:schemeClr val="tx1">
+                <a:lumMod val="95000"/>
+                <a:lumOff val="5000"/>
+              </a:schemeClr>
+            </a:solidFill>
+            <a:tailEnd type="triangle"/>
+          </a:ln>
+        </p:spPr>
+        <p:style>
+          <a:lnRef idx="1">
+            <a:schemeClr val="accent1"/>
+          </a:lnRef>
+          <a:fillRef idx="0">
+            <a:schemeClr val="accent1"/>
+          </a:fillRef>
+          <a:effectRef idx="0">
+            <a:schemeClr val="accent1"/>
+          </a:effectRef>
+          <a:fontRef idx="minor">
+            <a:schemeClr val="tx1"/>
+          </a:fontRef>
+        </p:style>
+      </p:cxnSp>
+      <p:cxnSp>
+        <p:nvCxnSpPr>
+          <p:cNvPr id="45" name="Lige pilforbindelse 44"/>
+          <p:cNvCxnSpPr>
+            <a:stCxn id="30" idx="3"/>
+            <a:endCxn id="31" idx="1"/>
+          </p:cNvCxnSpPr>
+          <p:nvPr/>
+        </p:nvCxnSpPr>
+        <p:spPr>
+          <a:xfrm>
+            <a:off x="3799672" y="1598309"/>
+            <a:ext cx="865642" cy="0"/>
+          </a:xfrm>
+          <a:prstGeom prst="straightConnector1">
+            <a:avLst/>
+          </a:prstGeom>
+          <a:ln w="76200">
+            <a:solidFill>
+              <a:srgbClr val="FF0000"/>
+            </a:solidFill>
+            <a:tailEnd type="triangle"/>
+          </a:ln>
+        </p:spPr>
+        <p:style>
+          <a:lnRef idx="1">
+            <a:schemeClr val="accent1"/>
+          </a:lnRef>
+          <a:fillRef idx="0">
+            <a:schemeClr val="accent1"/>
+          </a:fillRef>
+          <a:effectRef idx="0">
+            <a:schemeClr val="accent1"/>
+          </a:effectRef>
+          <a:fontRef idx="minor">
+            <a:schemeClr val="tx1"/>
+          </a:fontRef>
+        </p:style>
+      </p:cxnSp>
+      <p:cxnSp>
+        <p:nvCxnSpPr>
+          <p:cNvPr id="58" name="Lige pilforbindelse 57"/>
+          <p:cNvCxnSpPr/>
+          <p:nvPr/>
+        </p:nvCxnSpPr>
+        <p:spPr>
+          <a:xfrm>
+            <a:off x="1259840" y="4355257"/>
+            <a:ext cx="5974080" cy="0"/>
+          </a:xfrm>
+          <a:prstGeom prst="straightConnector1">
+            <a:avLst/>
+          </a:prstGeom>
+          <a:ln w="76200">
+            <a:solidFill>
+              <a:schemeClr val="tx1"/>
+            </a:solidFill>
+            <a:tailEnd type="none"/>
+          </a:ln>
+        </p:spPr>
+        <p:style>
+          <a:lnRef idx="1">
+            <a:schemeClr val="accent1"/>
+          </a:lnRef>
+          <a:fillRef idx="0">
+            <a:schemeClr val="accent1"/>
+          </a:fillRef>
+          <a:effectRef idx="0">
+            <a:schemeClr val="accent1"/>
+          </a:effectRef>
+          <a:fontRef idx="minor">
+            <a:schemeClr val="tx1"/>
+          </a:fontRef>
+        </p:style>
+      </p:cxnSp>
+      <p:cxnSp>
+        <p:nvCxnSpPr>
+          <p:cNvPr id="66" name="Lige pilforbindelse 65"/>
+          <p:cNvCxnSpPr/>
+          <p:nvPr/>
+        </p:nvCxnSpPr>
+        <p:spPr>
+          <a:xfrm>
+            <a:off x="4246880" y="4355257"/>
+            <a:ext cx="0" cy="927943"/>
+          </a:xfrm>
+          <a:prstGeom prst="straightConnector1">
+            <a:avLst/>
+          </a:prstGeom>
+          <a:ln w="76200">
+            <a:solidFill>
+              <a:schemeClr val="tx1">
+                <a:lumMod val="95000"/>
+                <a:lumOff val="5000"/>
+              </a:schemeClr>
+            </a:solidFill>
+            <a:tailEnd type="triangle"/>
+          </a:ln>
+        </p:spPr>
+        <p:style>
+          <a:lnRef idx="1">
+            <a:schemeClr val="accent1"/>
+          </a:lnRef>
+          <a:fillRef idx="0">
+            <a:schemeClr val="accent1"/>
+          </a:fillRef>
+          <a:effectRef idx="0">
+            <a:schemeClr val="accent1"/>
+          </a:effectRef>
+          <a:fontRef idx="minor">
+            <a:schemeClr val="tx1"/>
+          </a:fontRef>
+        </p:style>
+      </p:cxnSp>
+      <p:sp>
+        <p:nvSpPr>
+          <p:cNvPr id="68" name="Forbindelse 67"/>
+          <p:cNvSpPr/>
+          <p:nvPr/>
+        </p:nvSpPr>
+        <p:spPr>
+          <a:xfrm>
+            <a:off x="9526611" y="2613437"/>
+            <a:ext cx="360000" cy="360000"/>
+          </a:xfrm>
+          <a:prstGeom prst="flowChartConnector">
+            <a:avLst/>
+          </a:prstGeom>
+          <a:solidFill>
+            <a:srgbClr val="B8B800"/>
+          </a:solidFill>
+        </p:spPr>
+        <p:style>
+          <a:lnRef idx="2">
+            <a:schemeClr val="accent1">
+              <a:shade val="50000"/>
+            </a:schemeClr>
+          </a:lnRef>
+          <a:fillRef idx="1">
+            <a:schemeClr val="accent1"/>
+          </a:fillRef>
+          <a:effectRef idx="0">
+            <a:schemeClr val="accent1"/>
+          </a:effectRef>
+          <a:fontRef idx="minor">
+            <a:schemeClr val="lt1"/>
+          </a:fontRef>
+        </p:style>
+        <p:txBody>
+          <a:bodyPr rtlCol="0" anchor="ctr"/>
+          <a:lstStyle/>
+          <a:p>
+            <a:pPr algn="ctr"/>
+            <a:endParaRPr lang="da-DK"/>
+          </a:p>
+        </p:txBody>
+      </p:sp>
+      <p:sp>
+        <p:nvSpPr>
+          <p:cNvPr id="69" name="Forbindelse 68"/>
+          <p:cNvSpPr/>
+          <p:nvPr/>
+        </p:nvSpPr>
+        <p:spPr>
+          <a:xfrm>
+            <a:off x="9526611" y="3740947"/>
+            <a:ext cx="360000" cy="360000"/>
+          </a:xfrm>
+          <a:prstGeom prst="flowChartConnector">
+            <a:avLst/>
+          </a:prstGeom>
+          <a:solidFill>
+            <a:schemeClr val="bg1">
+              <a:lumMod val="50000"/>
+            </a:schemeClr>
+          </a:solidFill>
+        </p:spPr>
+        <p:style>
+          <a:lnRef idx="2">
+            <a:schemeClr val="accent1">
+              <a:shade val="50000"/>
+            </a:schemeClr>
+          </a:lnRef>
+          <a:fillRef idx="1">
+            <a:schemeClr val="accent1"/>
+          </a:fillRef>
+          <a:effectRef idx="0">
+            <a:schemeClr val="accent1"/>
+          </a:effectRef>
+          <a:fontRef idx="minor">
+            <a:schemeClr val="lt1"/>
+          </a:fontRef>
+        </p:style>
+        <p:txBody>
+          <a:bodyPr rtlCol="0" anchor="ctr"/>
+          <a:lstStyle/>
+          <a:p>
+            <a:pPr algn="ctr"/>
+            <a:endParaRPr lang="da-DK"/>
+          </a:p>
+        </p:txBody>
+      </p:sp>
+      <p:sp>
+        <p:nvSpPr>
+          <p:cNvPr id="70" name="Forbindelse 69"/>
+          <p:cNvSpPr/>
+          <p:nvPr/>
+        </p:nvSpPr>
+        <p:spPr>
+          <a:xfrm>
+            <a:off x="9526611" y="4804611"/>
+            <a:ext cx="360000" cy="360000"/>
+          </a:xfrm>
+          <a:prstGeom prst="flowChartConnector">
+            <a:avLst/>
+          </a:prstGeom>
+          <a:solidFill>
+            <a:srgbClr val="FF0000"/>
+          </a:solidFill>
+        </p:spPr>
+        <p:style>
+          <a:lnRef idx="2">
+            <a:schemeClr val="accent1">
+              <a:shade val="50000"/>
+            </a:schemeClr>
+          </a:lnRef>
+          <a:fillRef idx="1">
+            <a:schemeClr val="accent1"/>
+          </a:fillRef>
+          <a:effectRef idx="0">
+            <a:schemeClr val="accent1"/>
+          </a:effectRef>
+          <a:fontRef idx="minor">
+            <a:schemeClr val="lt1"/>
+          </a:fontRef>
+        </p:style>
+        <p:txBody>
+          <a:bodyPr rtlCol="0" anchor="ctr"/>
+          <a:lstStyle/>
+          <a:p>
+            <a:pPr algn="ctr"/>
+            <a:endParaRPr lang="da-DK"/>
+          </a:p>
+        </p:txBody>
+      </p:sp>
+      <p:cxnSp>
+        <p:nvCxnSpPr>
+          <p:cNvPr id="71" name="Vinklet forbindelse 70"/>
+          <p:cNvCxnSpPr>
+            <a:stCxn id="31" idx="3"/>
+            <a:endCxn id="27" idx="0"/>
+          </p:cNvCxnSpPr>
+          <p:nvPr/>
+        </p:nvCxnSpPr>
+        <p:spPr>
+          <a:xfrm>
+            <a:off x="5745314" y="1598309"/>
+            <a:ext cx="1440264" cy="1180991"/>
+          </a:xfrm>
+          <a:prstGeom prst="bentConnector2">
+            <a:avLst/>
+          </a:prstGeom>
+          <a:ln w="76200">
+            <a:solidFill>
+              <a:srgbClr val="FF0000"/>
+            </a:solidFill>
+            <a:tailEnd type="triangle"/>
+          </a:ln>
+        </p:spPr>
+        <p:style>
+          <a:lnRef idx="1">
+            <a:schemeClr val="accent1"/>
+          </a:lnRef>
+          <a:fillRef idx="0">
+            <a:schemeClr val="accent1"/>
+          </a:fillRef>
+          <a:effectRef idx="0">
+            <a:schemeClr val="accent1"/>
+          </a:effectRef>
+          <a:fontRef idx="minor">
+            <a:schemeClr val="tx1"/>
+          </a:fontRef>
+        </p:style>
+      </p:cxnSp>
+    </p:spTree>
+    <p:extLst>
+      <p:ext uri="{BB962C8B-B14F-4D97-AF65-F5344CB8AC3E}">
+        <p14:creationId xmlns:p14="http://schemas.microsoft.com/office/powerpoint/2010/main" val="2821068773"/>
+      </p:ext>
+    </p:extLst>
+  </p:cSld>
+  <p:clrMapOvr>
+    <a:masterClrMapping/>
+  </p:clrMapOvr>
+  <p:timing>
+    <p:tnLst>
+      <p:par>
+        <p:cTn id="1" dur="indefinite" restart="never" nodeType="tmRoot"/>
+      </p:par>
+    </p:tnLst>
+  </p:timing>
+</p:sld>
+</file>
+
+<file path=ppt/slides/slide35.xml><?xml version="1.0" encoding="utf-8"?>
+<p:sld xmlns:a="http://schemas.openxmlformats.org/drawingml/2006/main" xmlns:r="http://schemas.openxmlformats.org/officeDocument/2006/relationships" xmlns:p="http://schemas.openxmlformats.org/presentationml/2006/main">
+  <p:cSld>
+    <p:spTree>
+      <p:nvGrpSpPr>
+        <p:cNvPr id="1" name=""/>
+        <p:cNvGrpSpPr/>
+        <p:nvPr/>
+      </p:nvGrpSpPr>
+      <p:grpSpPr>
+        <a:xfrm>
+          <a:off x="0" y="0"/>
+          <a:ext cx="0" cy="0"/>
+          <a:chOff x="0" y="0"/>
+          <a:chExt cx="0" cy="0"/>
+        </a:xfrm>
+      </p:grpSpPr>
+      <p:cxnSp>
+        <p:nvCxnSpPr>
+          <p:cNvPr id="16" name="Lige pilforbindelse 15"/>
+          <p:cNvCxnSpPr>
+            <a:stCxn id="13" idx="2"/>
+            <a:endCxn id="21" idx="0"/>
+          </p:cNvCxnSpPr>
+          <p:nvPr/>
+        </p:nvCxnSpPr>
+        <p:spPr>
+          <a:xfrm>
+            <a:off x="1314030" y="2138309"/>
+            <a:ext cx="1" cy="640991"/>
+          </a:xfrm>
+          <a:prstGeom prst="straightConnector1">
+            <a:avLst/>
+          </a:prstGeom>
+          <a:ln w="76200">
+            <a:solidFill>
+              <a:schemeClr val="accent6">
+                <a:lumMod val="75000"/>
+              </a:schemeClr>
+            </a:solidFill>
+            <a:tailEnd type="triangle"/>
+          </a:ln>
+        </p:spPr>
+        <p:style>
+          <a:lnRef idx="1">
+            <a:schemeClr val="accent1"/>
+          </a:lnRef>
+          <a:fillRef idx="0">
+            <a:schemeClr val="accent1"/>
+          </a:fillRef>
+          <a:effectRef idx="0">
+            <a:schemeClr val="accent1"/>
+          </a:effectRef>
+          <a:fontRef idx="minor">
+            <a:schemeClr val="tx1"/>
+          </a:fontRef>
+        </p:style>
+      </p:cxnSp>
+      <p:sp>
+        <p:nvSpPr>
+          <p:cNvPr id="11" name="Tekstfelt 10"/>
+          <p:cNvSpPr txBox="1"/>
+          <p:nvPr/>
+        </p:nvSpPr>
+        <p:spPr>
+          <a:xfrm>
+            <a:off x="8446347" y="345132"/>
+            <a:ext cx="3352800" cy="5632311"/>
+          </a:xfrm>
+          <a:prstGeom prst="rect">
+            <a:avLst/>
+          </a:prstGeom>
+          <a:noFill/>
+        </p:spPr>
+        <p:txBody>
+          <a:bodyPr wrap="square" rtlCol="0">
+            <a:spAutoFit/>
+          </a:bodyPr>
+          <a:lstStyle/>
+          <a:p>
+            <a:r>
+              <a:rPr lang="da-DK" sz="2400" b="1" smtClean="0">
+                <a:solidFill>
+                  <a:srgbClr val="0070C0"/>
+                </a:solidFill>
+                <a:latin typeface="Consolas" panose="020B0609020204030204" pitchFamily="49" charset="0"/>
+              </a:rPr>
+              <a:t>switch</a:t>
+            </a:r>
+            <a:r>
+              <a:rPr lang="da-DK" sz="2400" b="1" smtClean="0">
+                <a:latin typeface="Consolas" panose="020B0609020204030204" pitchFamily="49" charset="0"/>
+              </a:rPr>
+              <a:t> (age)</a:t>
+            </a:r>
+          </a:p>
+          <a:p>
+            <a:r>
+              <a:rPr lang="da-DK" sz="2400" b="1" smtClean="0">
+                <a:latin typeface="Consolas" panose="020B0609020204030204" pitchFamily="49" charset="0"/>
+              </a:rPr>
+              <a:t>{</a:t>
+            </a:r>
+          </a:p>
+          <a:p>
+            <a:r>
+              <a:rPr lang="da-DK" sz="2400" b="1" smtClean="0">
+                <a:latin typeface="Consolas" panose="020B0609020204030204" pitchFamily="49" charset="0"/>
+              </a:rPr>
+              <a:t>   </a:t>
+            </a:r>
+            <a:r>
+              <a:rPr lang="da-DK" sz="2400" b="1">
+                <a:solidFill>
+                  <a:srgbClr val="0070C0"/>
+                </a:solidFill>
+                <a:latin typeface="Consolas" panose="020B0609020204030204" pitchFamily="49" charset="0"/>
+              </a:rPr>
+              <a:t>case</a:t>
+            </a:r>
+            <a:r>
+              <a:rPr lang="da-DK" sz="2400" b="1" smtClean="0">
+                <a:latin typeface="Consolas" panose="020B0609020204030204" pitchFamily="49" charset="0"/>
+              </a:rPr>
+              <a:t> 8:</a:t>
+            </a:r>
+          </a:p>
+          <a:p>
+            <a:r>
+              <a:rPr lang="da-DK" sz="2400" b="1">
+                <a:latin typeface="Consolas" panose="020B0609020204030204" pitchFamily="49" charset="0"/>
+              </a:rPr>
+              <a:t> </a:t>
+            </a:r>
+            <a:r>
+              <a:rPr lang="da-DK" sz="2400" b="1" smtClean="0">
+                <a:latin typeface="Consolas" panose="020B0609020204030204" pitchFamily="49" charset="0"/>
+              </a:rPr>
+              <a:t>     </a:t>
+            </a:r>
+            <a:r>
+              <a:rPr lang="da-DK" sz="2400" b="1" smtClean="0">
+                <a:solidFill>
+                  <a:schemeClr val="accent6">
+                    <a:lumMod val="75000"/>
+                  </a:schemeClr>
+                </a:solidFill>
+                <a:latin typeface="Consolas" panose="020B0609020204030204" pitchFamily="49" charset="0"/>
+              </a:rPr>
+              <a:t>price = 10;</a:t>
+            </a:r>
+          </a:p>
+          <a:p>
+            <a:r>
+              <a:rPr lang="da-DK" sz="2400" b="1">
+                <a:latin typeface="Consolas" panose="020B0609020204030204" pitchFamily="49" charset="0"/>
+              </a:rPr>
+              <a:t> </a:t>
+            </a:r>
+            <a:r>
+              <a:rPr lang="da-DK" sz="2400" b="1" smtClean="0">
+                <a:latin typeface="Consolas" panose="020B0609020204030204" pitchFamily="49" charset="0"/>
+              </a:rPr>
+              <a:t>     </a:t>
+            </a:r>
+            <a:r>
+              <a:rPr lang="da-DK" sz="2400" b="1">
+                <a:solidFill>
+                  <a:srgbClr val="0070C0"/>
+                </a:solidFill>
+                <a:latin typeface="Consolas" panose="020B0609020204030204" pitchFamily="49" charset="0"/>
+              </a:rPr>
+              <a:t>break</a:t>
+            </a:r>
+            <a:r>
+              <a:rPr lang="da-DK" sz="2400" b="1" smtClean="0">
+                <a:latin typeface="Consolas" panose="020B0609020204030204" pitchFamily="49" charset="0"/>
+              </a:rPr>
+              <a:t>;</a:t>
+            </a:r>
+          </a:p>
+          <a:p>
+            <a:r>
+              <a:rPr lang="da-DK" sz="2400" b="1">
+                <a:latin typeface="Consolas" panose="020B0609020204030204" pitchFamily="49" charset="0"/>
+              </a:rPr>
+              <a:t> </a:t>
+            </a:r>
+            <a:r>
+              <a:rPr lang="da-DK" sz="2400" b="1" smtClean="0">
+                <a:latin typeface="Consolas" panose="020B0609020204030204" pitchFamily="49" charset="0"/>
+              </a:rPr>
+              <a:t>  </a:t>
+            </a:r>
+            <a:r>
+              <a:rPr lang="da-DK" sz="2400" b="1" smtClean="0">
+                <a:solidFill>
+                  <a:srgbClr val="0070C0"/>
+                </a:solidFill>
+                <a:latin typeface="Consolas" panose="020B0609020204030204" pitchFamily="49" charset="0"/>
+              </a:rPr>
+              <a:t>case</a:t>
+            </a:r>
+            <a:r>
+              <a:rPr lang="da-DK" sz="2400" b="1" smtClean="0">
+                <a:latin typeface="Consolas" panose="020B0609020204030204" pitchFamily="49" charset="0"/>
+              </a:rPr>
+              <a:t> 14:</a:t>
+            </a:r>
             <a:endParaRPr lang="da-DK" sz="2400" b="1">
               <a:latin typeface="Consolas" panose="020B0609020204030204" pitchFamily="49" charset="0"/>
             </a:endParaRPr>
+          </a:p>
+          <a:p>
+            <a:r>
+              <a:rPr lang="da-DK" sz="2400" b="1">
+                <a:latin typeface="Consolas" panose="020B0609020204030204" pitchFamily="49" charset="0"/>
+              </a:rPr>
+              <a:t>      </a:t>
+            </a:r>
+            <a:r>
+              <a:rPr lang="da-DK" sz="2400" b="1">
+                <a:solidFill>
+                  <a:srgbClr val="B8B800"/>
+                </a:solidFill>
+                <a:latin typeface="Consolas" panose="020B0609020204030204" pitchFamily="49" charset="0"/>
+              </a:rPr>
+              <a:t>price = </a:t>
+            </a:r>
+            <a:r>
+              <a:rPr lang="da-DK" sz="2400" b="1" smtClean="0">
+                <a:solidFill>
+                  <a:srgbClr val="B8B800"/>
+                </a:solidFill>
+                <a:latin typeface="Consolas" panose="020B0609020204030204" pitchFamily="49" charset="0"/>
+              </a:rPr>
+              <a:t>15;</a:t>
+            </a:r>
+            <a:endParaRPr lang="da-DK" sz="2400" b="1">
+              <a:solidFill>
+                <a:srgbClr val="B8B800"/>
+              </a:solidFill>
+              <a:latin typeface="Consolas" panose="020B0609020204030204" pitchFamily="49" charset="0"/>
+            </a:endParaRPr>
+          </a:p>
+          <a:p>
+            <a:r>
+              <a:rPr lang="da-DK" sz="2400" b="1">
+                <a:latin typeface="Consolas" panose="020B0609020204030204" pitchFamily="49" charset="0"/>
+              </a:rPr>
+              <a:t>      </a:t>
+            </a:r>
+            <a:r>
+              <a:rPr lang="da-DK" sz="2400" b="1">
+                <a:solidFill>
+                  <a:srgbClr val="0070C0"/>
+                </a:solidFill>
+                <a:latin typeface="Consolas" panose="020B0609020204030204" pitchFamily="49" charset="0"/>
+              </a:rPr>
+              <a:t>break</a:t>
+            </a:r>
+            <a:r>
+              <a:rPr lang="da-DK" sz="2400" b="1" smtClean="0">
+                <a:latin typeface="Consolas" panose="020B0609020204030204" pitchFamily="49" charset="0"/>
+              </a:rPr>
+              <a:t>;</a:t>
+            </a:r>
+          </a:p>
+          <a:p>
+            <a:r>
+              <a:rPr lang="da-DK" sz="2400" b="1">
+                <a:latin typeface="Consolas" panose="020B0609020204030204" pitchFamily="49" charset="0"/>
+              </a:rPr>
+              <a:t> </a:t>
+            </a:r>
+            <a:r>
+              <a:rPr lang="da-DK" sz="2400" b="1" smtClean="0">
+                <a:latin typeface="Consolas" panose="020B0609020204030204" pitchFamily="49" charset="0"/>
+              </a:rPr>
+              <a:t>  </a:t>
+            </a:r>
+            <a:r>
+              <a:rPr lang="da-DK" sz="2400" b="1" smtClean="0">
+                <a:solidFill>
+                  <a:srgbClr val="0070C0"/>
+                </a:solidFill>
+                <a:latin typeface="Consolas" panose="020B0609020204030204" pitchFamily="49" charset="0"/>
+              </a:rPr>
+              <a:t>case</a:t>
+            </a:r>
+            <a:r>
+              <a:rPr lang="da-DK" sz="2400" b="1" smtClean="0">
+                <a:latin typeface="Consolas" panose="020B0609020204030204" pitchFamily="49" charset="0"/>
+              </a:rPr>
+              <a:t> 21:</a:t>
+            </a:r>
+            <a:endParaRPr lang="da-DK" sz="2400" b="1">
+              <a:latin typeface="Consolas" panose="020B0609020204030204" pitchFamily="49" charset="0"/>
+            </a:endParaRPr>
+          </a:p>
+          <a:p>
+            <a:r>
+              <a:rPr lang="da-DK" sz="2400" b="1">
+                <a:latin typeface="Consolas" panose="020B0609020204030204" pitchFamily="49" charset="0"/>
+              </a:rPr>
+              <a:t>      </a:t>
+            </a:r>
+            <a:r>
+              <a:rPr lang="da-DK" sz="2400" b="1">
+                <a:solidFill>
+                  <a:schemeClr val="bg1">
+                    <a:lumMod val="50000"/>
+                  </a:schemeClr>
+                </a:solidFill>
+                <a:latin typeface="Consolas" panose="020B0609020204030204" pitchFamily="49" charset="0"/>
+              </a:rPr>
+              <a:t>price = 20;</a:t>
+            </a:r>
+          </a:p>
+          <a:p>
+            <a:r>
+              <a:rPr lang="da-DK" sz="2400" b="1">
+                <a:latin typeface="Consolas" panose="020B0609020204030204" pitchFamily="49" charset="0"/>
+              </a:rPr>
+              <a:t>      </a:t>
+            </a:r>
+            <a:r>
+              <a:rPr lang="da-DK" sz="2400" b="1">
+                <a:solidFill>
+                  <a:srgbClr val="0070C0"/>
+                </a:solidFill>
+                <a:latin typeface="Consolas" panose="020B0609020204030204" pitchFamily="49" charset="0"/>
+              </a:rPr>
+              <a:t>break</a:t>
+            </a:r>
+            <a:r>
+              <a:rPr lang="da-DK" sz="2400" b="1" smtClean="0">
+                <a:latin typeface="Consolas" panose="020B0609020204030204" pitchFamily="49" charset="0"/>
+              </a:rPr>
+              <a:t>;</a:t>
+            </a:r>
+          </a:p>
+          <a:p>
+            <a:r>
+              <a:rPr lang="da-DK" sz="2400" b="1">
+                <a:latin typeface="Consolas" panose="020B0609020204030204" pitchFamily="49" charset="0"/>
+              </a:rPr>
+              <a:t> </a:t>
+            </a:r>
+            <a:r>
+              <a:rPr lang="da-DK" sz="2400" b="1" smtClean="0">
+                <a:latin typeface="Consolas" panose="020B0609020204030204" pitchFamily="49" charset="0"/>
+              </a:rPr>
+              <a:t>  </a:t>
+            </a:r>
+            <a:r>
+              <a:rPr lang="da-DK" sz="2400" b="1" smtClean="0">
+                <a:solidFill>
+                  <a:srgbClr val="0070C0"/>
+                </a:solidFill>
+                <a:latin typeface="Consolas" panose="020B0609020204030204" pitchFamily="49" charset="0"/>
+              </a:rPr>
+              <a:t>default</a:t>
+            </a:r>
+            <a:r>
+              <a:rPr lang="da-DK" sz="2400" b="1" smtClean="0">
+                <a:latin typeface="Consolas" panose="020B0609020204030204" pitchFamily="49" charset="0"/>
+              </a:rPr>
+              <a:t>:</a:t>
+            </a:r>
+            <a:endParaRPr lang="da-DK" sz="2400" b="1">
+              <a:latin typeface="Consolas" panose="020B0609020204030204" pitchFamily="49" charset="0"/>
+            </a:endParaRPr>
+          </a:p>
+          <a:p>
+            <a:r>
+              <a:rPr lang="da-DK" sz="2400" b="1">
+                <a:latin typeface="Consolas" panose="020B0609020204030204" pitchFamily="49" charset="0"/>
+              </a:rPr>
+              <a:t>      </a:t>
+            </a:r>
+            <a:r>
+              <a:rPr lang="da-DK" sz="2400" b="1">
+                <a:solidFill>
+                  <a:srgbClr val="FF0000"/>
+                </a:solidFill>
+                <a:latin typeface="Consolas" panose="020B0609020204030204" pitchFamily="49" charset="0"/>
+              </a:rPr>
+              <a:t>price = </a:t>
+            </a:r>
+            <a:r>
+              <a:rPr lang="da-DK" sz="2400" b="1" smtClean="0">
+                <a:solidFill>
+                  <a:srgbClr val="FF0000"/>
+                </a:solidFill>
+                <a:latin typeface="Consolas" panose="020B0609020204030204" pitchFamily="49" charset="0"/>
+              </a:rPr>
+              <a:t>50;</a:t>
+            </a:r>
+            <a:endParaRPr lang="da-DK" sz="2400" b="1">
+              <a:solidFill>
+                <a:srgbClr val="FF0000"/>
+              </a:solidFill>
+              <a:latin typeface="Consolas" panose="020B0609020204030204" pitchFamily="49" charset="0"/>
+            </a:endParaRPr>
+          </a:p>
+          <a:p>
+            <a:r>
+              <a:rPr lang="da-DK" sz="2400" b="1">
+                <a:latin typeface="Consolas" panose="020B0609020204030204" pitchFamily="49" charset="0"/>
+              </a:rPr>
+              <a:t>      </a:t>
+            </a:r>
+            <a:r>
+              <a:rPr lang="da-DK" sz="2400" b="1">
+                <a:solidFill>
+                  <a:srgbClr val="0070C0"/>
+                </a:solidFill>
+                <a:latin typeface="Consolas" panose="020B0609020204030204" pitchFamily="49" charset="0"/>
+              </a:rPr>
+              <a:t>break</a:t>
+            </a:r>
+            <a:r>
+              <a:rPr lang="da-DK" sz="2400" b="1" smtClean="0">
+                <a:latin typeface="Consolas" panose="020B0609020204030204" pitchFamily="49" charset="0"/>
+              </a:rPr>
+              <a:t>;</a:t>
+            </a:r>
+            <a:endParaRPr lang="da-DK" sz="2400" b="1" smtClean="0">
+              <a:solidFill>
+                <a:schemeClr val="accent6">
+                  <a:lumMod val="75000"/>
+                </a:schemeClr>
+              </a:solidFill>
+              <a:latin typeface="Consolas" panose="020B0609020204030204" pitchFamily="49" charset="0"/>
+            </a:endParaRPr>
+          </a:p>
+          <a:p>
+            <a:r>
+              <a:rPr lang="da-DK" sz="2400" b="1">
+                <a:latin typeface="Consolas" panose="020B0609020204030204" pitchFamily="49" charset="0"/>
+              </a:rPr>
+              <a:t>}</a:t>
+            </a:r>
           </a:p>
         </p:txBody>
       </p:sp>
@@ -16623,13 +18456,13 @@
   <p:clrMapOvr>
     <a:masterClrMapping/>
   </p:clrMapOvr>
-  <mc:AlternateContent xmlns:mc="http://schemas.openxmlformats.org/markup-compatibility/2006">
-    <mc:Choice xmlns:p14="http://schemas.microsoft.com/office/powerpoint/2010/main" Requires="p14">
+  <mc:AlternateContent xmlns:mc="http://schemas.openxmlformats.org/markup-compatibility/2006" xmlns:p14="http://schemas.microsoft.com/office/powerpoint/2010/main">
+    <mc:Choice Requires="p14">
       <p:transition spd="med" p14:dur="700">
         <p:fade/>
       </p:transition>
     </mc:Choice>
-    <mc:Fallback>
+    <mc:Fallback xmlns="">
       <p:transition spd="med">
         <p:fade/>
       </p:transition>
@@ -16835,13 +18668,13 @@
   <p:clrMapOvr>
     <a:masterClrMapping/>
   </p:clrMapOvr>
-  <mc:AlternateContent xmlns:mc="http://schemas.openxmlformats.org/markup-compatibility/2006">
-    <mc:Choice xmlns:p14="http://schemas.microsoft.com/office/powerpoint/2010/main" Requires="p14">
+  <mc:AlternateContent xmlns:mc="http://schemas.openxmlformats.org/markup-compatibility/2006" xmlns:p14="http://schemas.microsoft.com/office/powerpoint/2010/main">
+    <mc:Choice Requires="p14">
       <p:transition spd="med" p14:dur="700">
         <p:fade/>
       </p:transition>
     </mc:Choice>
-    <mc:Fallback>
+    <mc:Fallback xmlns="">
       <p:transition spd="med">
         <p:fade/>
       </p:transition>
@@ -17183,13 +19016,13 @@
   <p:clrMapOvr>
     <a:masterClrMapping/>
   </p:clrMapOvr>
-  <mc:AlternateContent xmlns:mc="http://schemas.openxmlformats.org/markup-compatibility/2006">
-    <mc:Choice xmlns:p14="http://schemas.microsoft.com/office/powerpoint/2010/main" Requires="p14">
+  <mc:AlternateContent xmlns:mc="http://schemas.openxmlformats.org/markup-compatibility/2006" xmlns:p14="http://schemas.microsoft.com/office/powerpoint/2010/main">
+    <mc:Choice Requires="p14">
       <p:transition spd="med" p14:dur="700">
         <p:fade/>
       </p:transition>
     </mc:Choice>
-    <mc:Fallback>
+    <mc:Fallback xmlns="">
       <p:transition spd="med">
         <p:fade/>
       </p:transition>
@@ -17497,13 +19330,13 @@
   <p:clrMapOvr>
     <a:masterClrMapping/>
   </p:clrMapOvr>
-  <mc:AlternateContent xmlns:mc="http://schemas.openxmlformats.org/markup-compatibility/2006">
-    <mc:Choice xmlns:p14="http://schemas.microsoft.com/office/powerpoint/2010/main" Requires="p14">
+  <mc:AlternateContent xmlns:mc="http://schemas.openxmlformats.org/markup-compatibility/2006" xmlns:p14="http://schemas.microsoft.com/office/powerpoint/2010/main">
+    <mc:Choice Requires="p14">
       <p:transition spd="med" p14:dur="700">
         <p:fade/>
       </p:transition>
     </mc:Choice>
-    <mc:Fallback>
+    <mc:Fallback xmlns="">
       <p:transition spd="med">
         <p:fade/>
       </p:transition>
@@ -17712,13 +19545,13 @@
   <p:clrMapOvr>
     <a:masterClrMapping/>
   </p:clrMapOvr>
-  <mc:AlternateContent xmlns:mc="http://schemas.openxmlformats.org/markup-compatibility/2006">
-    <mc:Choice xmlns:p14="http://schemas.microsoft.com/office/powerpoint/2010/main" Requires="p14">
+  <mc:AlternateContent xmlns:mc="http://schemas.openxmlformats.org/markup-compatibility/2006" xmlns:p14="http://schemas.microsoft.com/office/powerpoint/2010/main">
+    <mc:Choice Requires="p14">
       <p:transition spd="med" p14:dur="700">
         <p:fade/>
       </p:transition>
     </mc:Choice>
-    <mc:Fallback>
+    <mc:Fallback xmlns="">
       <p:transition spd="med">
         <p:fade/>
       </p:transition>
@@ -18089,9 +19922,6 @@
               </a:rPr>
               <a:t>}</a:t>
             </a:r>
-            <a:endParaRPr lang="da-DK" sz="4800" b="1">
-              <a:latin typeface="Consolas" panose="020B0609020204030204" pitchFamily="49" charset="0"/>
-            </a:endParaRPr>
           </a:p>
         </p:txBody>
       </p:sp>
@@ -18554,9 +20384,6 @@
               </a:rPr>
               <a:t>}</a:t>
             </a:r>
-            <a:endParaRPr lang="da-DK" sz="4800" b="1">
-              <a:latin typeface="Consolas" panose="020B0609020204030204" pitchFamily="49" charset="0"/>
-            </a:endParaRPr>
           </a:p>
         </p:txBody>
       </p:sp>
@@ -18654,13 +20481,13 @@
   <p:clrMapOvr>
     <a:masterClrMapping/>
   </p:clrMapOvr>
-  <mc:AlternateContent xmlns:mc="http://schemas.openxmlformats.org/markup-compatibility/2006">
-    <mc:Choice xmlns:p14="http://schemas.microsoft.com/office/powerpoint/2010/main" Requires="p14">
+  <mc:AlternateContent xmlns:mc="http://schemas.openxmlformats.org/markup-compatibility/2006" xmlns:p14="http://schemas.microsoft.com/office/powerpoint/2010/main">
+    <mc:Choice Requires="p14">
       <p:transition spd="med" p14:dur="700">
         <p:fade/>
       </p:transition>
     </mc:Choice>
-    <mc:Fallback>
+    <mc:Fallback xmlns="">
       <p:transition spd="med">
         <p:fade/>
       </p:transition>
